--- a/doc/workshop/sandbox.pptx
+++ b/doc/workshop/sandbox.pptx
@@ -24,92 +24,122 @@
     <a:defPPr>
       <a:defRPr lang="en-US"/>
     </a:defPPr>
-    <a:lvl1pPr marL="0" algn="l" defTabSz="914400" rtl="0" eaLnBrk="1" latinLnBrk="0" hangingPunct="1">
-      <a:defRPr sz="1800" kern="1200">
+    <a:lvl1pPr algn="l" rtl="0" fontAlgn="base">
+      <a:spcBef>
+        <a:spcPct val="0"/>
+      </a:spcBef>
+      <a:spcAft>
+        <a:spcPct val="0"/>
+      </a:spcAft>
+      <a:defRPr kern="1200">
         <a:solidFill>
           <a:schemeClr val="tx1"/>
         </a:solidFill>
-        <a:latin typeface="+mn-lt"/>
+        <a:latin typeface="Arial" charset="0"/>
         <a:ea typeface="+mn-ea"/>
         <a:cs typeface="+mn-cs"/>
       </a:defRPr>
     </a:lvl1pPr>
-    <a:lvl2pPr marL="457200" algn="l" defTabSz="914400" rtl="0" eaLnBrk="1" latinLnBrk="0" hangingPunct="1">
-      <a:defRPr sz="1800" kern="1200">
+    <a:lvl2pPr marL="457200" algn="l" rtl="0" fontAlgn="base">
+      <a:spcBef>
+        <a:spcPct val="0"/>
+      </a:spcBef>
+      <a:spcAft>
+        <a:spcPct val="0"/>
+      </a:spcAft>
+      <a:defRPr kern="1200">
         <a:solidFill>
           <a:schemeClr val="tx1"/>
         </a:solidFill>
-        <a:latin typeface="+mn-lt"/>
+        <a:latin typeface="Arial" charset="0"/>
         <a:ea typeface="+mn-ea"/>
         <a:cs typeface="+mn-cs"/>
       </a:defRPr>
     </a:lvl2pPr>
-    <a:lvl3pPr marL="914400" algn="l" defTabSz="914400" rtl="0" eaLnBrk="1" latinLnBrk="0" hangingPunct="1">
-      <a:defRPr sz="1800" kern="1200">
+    <a:lvl3pPr marL="914400" algn="l" rtl="0" fontAlgn="base">
+      <a:spcBef>
+        <a:spcPct val="0"/>
+      </a:spcBef>
+      <a:spcAft>
+        <a:spcPct val="0"/>
+      </a:spcAft>
+      <a:defRPr kern="1200">
         <a:solidFill>
           <a:schemeClr val="tx1"/>
         </a:solidFill>
-        <a:latin typeface="+mn-lt"/>
+        <a:latin typeface="Arial" charset="0"/>
         <a:ea typeface="+mn-ea"/>
         <a:cs typeface="+mn-cs"/>
       </a:defRPr>
     </a:lvl3pPr>
-    <a:lvl4pPr marL="1371600" algn="l" defTabSz="914400" rtl="0" eaLnBrk="1" latinLnBrk="0" hangingPunct="1">
-      <a:defRPr sz="1800" kern="1200">
+    <a:lvl4pPr marL="1371600" algn="l" rtl="0" fontAlgn="base">
+      <a:spcBef>
+        <a:spcPct val="0"/>
+      </a:spcBef>
+      <a:spcAft>
+        <a:spcPct val="0"/>
+      </a:spcAft>
+      <a:defRPr kern="1200">
         <a:solidFill>
           <a:schemeClr val="tx1"/>
         </a:solidFill>
-        <a:latin typeface="+mn-lt"/>
+        <a:latin typeface="Arial" charset="0"/>
         <a:ea typeface="+mn-ea"/>
         <a:cs typeface="+mn-cs"/>
       </a:defRPr>
     </a:lvl4pPr>
-    <a:lvl5pPr marL="1828800" algn="l" defTabSz="914400" rtl="0" eaLnBrk="1" latinLnBrk="0" hangingPunct="1">
-      <a:defRPr sz="1800" kern="1200">
+    <a:lvl5pPr marL="1828800" algn="l" rtl="0" fontAlgn="base">
+      <a:spcBef>
+        <a:spcPct val="0"/>
+      </a:spcBef>
+      <a:spcAft>
+        <a:spcPct val="0"/>
+      </a:spcAft>
+      <a:defRPr kern="1200">
         <a:solidFill>
           <a:schemeClr val="tx1"/>
         </a:solidFill>
-        <a:latin typeface="+mn-lt"/>
+        <a:latin typeface="Arial" charset="0"/>
         <a:ea typeface="+mn-ea"/>
         <a:cs typeface="+mn-cs"/>
       </a:defRPr>
     </a:lvl5pPr>
     <a:lvl6pPr marL="2286000" algn="l" defTabSz="914400" rtl="0" eaLnBrk="1" latinLnBrk="0" hangingPunct="1">
-      <a:defRPr sz="1800" kern="1200">
+      <a:defRPr kern="1200">
         <a:solidFill>
           <a:schemeClr val="tx1"/>
         </a:solidFill>
-        <a:latin typeface="+mn-lt"/>
+        <a:latin typeface="Arial" charset="0"/>
         <a:ea typeface="+mn-ea"/>
         <a:cs typeface="+mn-cs"/>
       </a:defRPr>
     </a:lvl6pPr>
     <a:lvl7pPr marL="2743200" algn="l" defTabSz="914400" rtl="0" eaLnBrk="1" latinLnBrk="0" hangingPunct="1">
-      <a:defRPr sz="1800" kern="1200">
+      <a:defRPr kern="1200">
         <a:solidFill>
           <a:schemeClr val="tx1"/>
         </a:solidFill>
-        <a:latin typeface="+mn-lt"/>
+        <a:latin typeface="Arial" charset="0"/>
         <a:ea typeface="+mn-ea"/>
         <a:cs typeface="+mn-cs"/>
       </a:defRPr>
     </a:lvl7pPr>
     <a:lvl8pPr marL="3200400" algn="l" defTabSz="914400" rtl="0" eaLnBrk="1" latinLnBrk="0" hangingPunct="1">
-      <a:defRPr sz="1800" kern="1200">
+      <a:defRPr kern="1200">
         <a:solidFill>
           <a:schemeClr val="tx1"/>
         </a:solidFill>
-        <a:latin typeface="+mn-lt"/>
+        <a:latin typeface="Arial" charset="0"/>
         <a:ea typeface="+mn-ea"/>
         <a:cs typeface="+mn-cs"/>
       </a:defRPr>
     </a:lvl8pPr>
     <a:lvl9pPr marL="3657600" algn="l" defTabSz="914400" rtl="0" eaLnBrk="1" latinLnBrk="0" hangingPunct="1">
-      <a:defRPr sz="1800" kern="1200">
+      <a:defRPr kern="1200">
         <a:solidFill>
           <a:schemeClr val="tx1"/>
         </a:solidFill>
-        <a:latin typeface="+mn-lt"/>
+        <a:latin typeface="Arial" charset="0"/>
         <a:ea typeface="+mn-ea"/>
         <a:cs typeface="+mn-cs"/>
       </a:defRPr>
@@ -162,11 +192,22 @@
         <p:txBody>
           <a:bodyPr vert="horz" lIns="91440" tIns="45720" rIns="91440" bIns="45720" rtlCol="0"/>
           <a:lstStyle>
-            <a:lvl1pPr algn="l">
-              <a:defRPr sz="1200"/>
+            <a:lvl1pPr algn="l" fontAlgn="auto">
+              <a:spcBef>
+                <a:spcPts val="0"/>
+              </a:spcBef>
+              <a:spcAft>
+                <a:spcPts val="0"/>
+              </a:spcAft>
+              <a:defRPr sz="1200">
+                <a:latin typeface="+mn-lt"/>
+              </a:defRPr>
             </a:lvl1pPr>
           </a:lstStyle>
           <a:p>
+            <a:pPr>
+              <a:defRPr/>
+            </a:pPr>
             <a:endParaRPr lang="tr-TR"/>
           </a:p>
         </p:txBody>
@@ -193,15 +234,28 @@
         <p:txBody>
           <a:bodyPr vert="horz" lIns="91440" tIns="45720" rIns="91440" bIns="45720" rtlCol="0"/>
           <a:lstStyle>
-            <a:lvl1pPr algn="r">
-              <a:defRPr sz="1200"/>
+            <a:lvl1pPr algn="r" fontAlgn="auto">
+              <a:spcBef>
+                <a:spcPts val="0"/>
+              </a:spcBef>
+              <a:spcAft>
+                <a:spcPts val="0"/>
+              </a:spcAft>
+              <a:defRPr sz="1200" smtClean="0">
+                <a:latin typeface="+mn-lt"/>
+              </a:defRPr>
             </a:lvl1pPr>
           </a:lstStyle>
           <a:p>
-            <a:fld id="{85B215F2-4311-4A12-A8D7-48F564746B9A}" type="datetimeFigureOut">
-              <a:rPr lang="tr-TR" smtClean="0"/>
-              <a:pPr/>
-              <a:t>04.02.2009</a:t>
+            <a:pPr>
+              <a:defRPr/>
+            </a:pPr>
+            <a:fld id="{7C718C4D-E46D-49B8-9811-6F5BBFB3C90C}" type="datetimeFigureOut">
+              <a:rPr lang="tr-TR"/>
+              <a:pPr>
+                <a:defRPr/>
+              </a:pPr>
+              <a:t>22.02.2009</a:t>
             </a:fld>
             <a:endParaRPr lang="tr-TR"/>
           </a:p>
@@ -236,7 +290,8 @@
           <a:bodyPr vert="horz" lIns="91440" tIns="45720" rIns="91440" bIns="45720" rtlCol="0" anchor="ctr"/>
           <a:lstStyle/>
           <a:p>
-            <a:endParaRPr lang="tr-TR"/>
+            <a:pPr lvl="0"/>
+            <a:endParaRPr lang="tr-TR" noProof="0"/>
           </a:p>
         </p:txBody>
       </p:sp>
@@ -267,38 +322,38 @@
           <a:p>
             <a:pPr lvl="0"/>
             <a:r>
-              <a:rPr lang="en-US" smtClean="0"/>
+              <a:rPr lang="en-US" noProof="0" smtClean="0"/>
               <a:t>Click to edit Master text styles</a:t>
             </a:r>
           </a:p>
           <a:p>
             <a:pPr lvl="1"/>
             <a:r>
-              <a:rPr lang="en-US" smtClean="0"/>
+              <a:rPr lang="en-US" noProof="0" smtClean="0"/>
               <a:t>Second level</a:t>
             </a:r>
           </a:p>
           <a:p>
             <a:pPr lvl="2"/>
             <a:r>
-              <a:rPr lang="en-US" smtClean="0"/>
+              <a:rPr lang="en-US" noProof="0" smtClean="0"/>
               <a:t>Third level</a:t>
             </a:r>
           </a:p>
           <a:p>
             <a:pPr lvl="3"/>
             <a:r>
-              <a:rPr lang="en-US" smtClean="0"/>
+              <a:rPr lang="en-US" noProof="0" smtClean="0"/>
               <a:t>Fourth level</a:t>
             </a:r>
           </a:p>
           <a:p>
             <a:pPr lvl="4"/>
             <a:r>
-              <a:rPr lang="en-US" smtClean="0"/>
+              <a:rPr lang="en-US" noProof="0" smtClean="0"/>
               <a:t>Fifth level</a:t>
             </a:r>
-            <a:endParaRPr lang="tr-TR"/>
+            <a:endParaRPr lang="tr-TR" noProof="0"/>
           </a:p>
         </p:txBody>
       </p:sp>
@@ -324,11 +379,22 @@
         <p:txBody>
           <a:bodyPr vert="horz" lIns="91440" tIns="45720" rIns="91440" bIns="45720" rtlCol="0" anchor="b"/>
           <a:lstStyle>
-            <a:lvl1pPr algn="l">
-              <a:defRPr sz="1200"/>
+            <a:lvl1pPr algn="l" fontAlgn="auto">
+              <a:spcBef>
+                <a:spcPts val="0"/>
+              </a:spcBef>
+              <a:spcAft>
+                <a:spcPts val="0"/>
+              </a:spcAft>
+              <a:defRPr sz="1200">
+                <a:latin typeface="+mn-lt"/>
+              </a:defRPr>
             </a:lvl1pPr>
           </a:lstStyle>
           <a:p>
+            <a:pPr>
+              <a:defRPr/>
+            </a:pPr>
             <a:endParaRPr lang="tr-TR"/>
           </a:p>
         </p:txBody>
@@ -355,14 +421,27 @@
         <p:txBody>
           <a:bodyPr vert="horz" lIns="91440" tIns="45720" rIns="91440" bIns="45720" rtlCol="0" anchor="b"/>
           <a:lstStyle>
-            <a:lvl1pPr algn="r">
-              <a:defRPr sz="1200"/>
+            <a:lvl1pPr algn="r" fontAlgn="auto">
+              <a:spcBef>
+                <a:spcPts val="0"/>
+              </a:spcBef>
+              <a:spcAft>
+                <a:spcPts val="0"/>
+              </a:spcAft>
+              <a:defRPr sz="1200" smtClean="0">
+                <a:latin typeface="+mn-lt"/>
+              </a:defRPr>
             </a:lvl1pPr>
           </a:lstStyle>
           <a:p>
-            <a:fld id="{574847FD-145D-44D4-A1A1-DCB4CC16C257}" type="slidenum">
-              <a:rPr lang="tr-TR" smtClean="0"/>
-              <a:pPr/>
+            <a:pPr>
+              <a:defRPr/>
+            </a:pPr>
+            <a:fld id="{CF7140FE-67A6-4AF3-B5ED-23B3BA592A2F}" type="slidenum">
+              <a:rPr lang="tr-TR"/>
+              <a:pPr>
+                <a:defRPr/>
+              </a:pPr>
               <a:t>‹#›</a:t>
             </a:fld>
             <a:endParaRPr lang="tr-TR"/>
@@ -373,7 +452,13 @@
   </p:cSld>
   <p:clrMap bg1="lt1" tx1="dk1" bg2="lt2" tx2="dk2" accent1="accent1" accent2="accent2" accent3="accent3" accent4="accent4" accent5="accent5" accent6="accent6" hlink="hlink" folHlink="folHlink"/>
   <p:notesStyle>
-    <a:lvl1pPr marL="0" algn="l" defTabSz="914400" rtl="0" eaLnBrk="1" latinLnBrk="0" hangingPunct="1">
+    <a:lvl1pPr algn="l" rtl="0" fontAlgn="base">
+      <a:spcBef>
+        <a:spcPct val="30000"/>
+      </a:spcBef>
+      <a:spcAft>
+        <a:spcPct val="0"/>
+      </a:spcAft>
       <a:defRPr sz="1200" kern="1200">
         <a:solidFill>
           <a:schemeClr val="tx1"/>
@@ -383,7 +468,13 @@
         <a:cs typeface="+mn-cs"/>
       </a:defRPr>
     </a:lvl1pPr>
-    <a:lvl2pPr marL="457200" algn="l" defTabSz="914400" rtl="0" eaLnBrk="1" latinLnBrk="0" hangingPunct="1">
+    <a:lvl2pPr marL="457200" algn="l" rtl="0" fontAlgn="base">
+      <a:spcBef>
+        <a:spcPct val="30000"/>
+      </a:spcBef>
+      <a:spcAft>
+        <a:spcPct val="0"/>
+      </a:spcAft>
       <a:defRPr sz="1200" kern="1200">
         <a:solidFill>
           <a:schemeClr val="tx1"/>
@@ -393,7 +484,13 @@
         <a:cs typeface="+mn-cs"/>
       </a:defRPr>
     </a:lvl2pPr>
-    <a:lvl3pPr marL="914400" algn="l" defTabSz="914400" rtl="0" eaLnBrk="1" latinLnBrk="0" hangingPunct="1">
+    <a:lvl3pPr marL="914400" algn="l" rtl="0" fontAlgn="base">
+      <a:spcBef>
+        <a:spcPct val="30000"/>
+      </a:spcBef>
+      <a:spcAft>
+        <a:spcPct val="0"/>
+      </a:spcAft>
       <a:defRPr sz="1200" kern="1200">
         <a:solidFill>
           <a:schemeClr val="tx1"/>
@@ -403,7 +500,13 @@
         <a:cs typeface="+mn-cs"/>
       </a:defRPr>
     </a:lvl3pPr>
-    <a:lvl4pPr marL="1371600" algn="l" defTabSz="914400" rtl="0" eaLnBrk="1" latinLnBrk="0" hangingPunct="1">
+    <a:lvl4pPr marL="1371600" algn="l" rtl="0" fontAlgn="base">
+      <a:spcBef>
+        <a:spcPct val="30000"/>
+      </a:spcBef>
+      <a:spcAft>
+        <a:spcPct val="0"/>
+      </a:spcAft>
       <a:defRPr sz="1200" kern="1200">
         <a:solidFill>
           <a:schemeClr val="tx1"/>
@@ -413,7 +516,13 @@
         <a:cs typeface="+mn-cs"/>
       </a:defRPr>
     </a:lvl4pPr>
-    <a:lvl5pPr marL="1828800" algn="l" defTabSz="914400" rtl="0" eaLnBrk="1" latinLnBrk="0" hangingPunct="1">
+    <a:lvl5pPr marL="1828800" algn="l" rtl="0" fontAlgn="base">
+      <a:spcBef>
+        <a:spcPct val="30000"/>
+      </a:spcBef>
+      <a:spcAft>
+        <a:spcPct val="0"/>
+      </a:spcAft>
       <a:defRPr sz="1200" kern="1200">
         <a:solidFill>
           <a:schemeClr val="tx1"/>
@@ -486,7 +595,7 @@
       </p:grpSpPr>
       <p:sp>
         <p:nvSpPr>
-          <p:cNvPr id="179202" name="Rectangle 7"/>
+          <p:cNvPr id="16385" name="Rectangle 7"/>
           <p:cNvSpPr>
             <a:spLocks noGrp="1" noChangeArrowheads="1"/>
           </p:cNvSpPr>
@@ -494,55 +603,94 @@
             <p:ph type="sldNum" sz="quarter" idx="5"/>
           </p:nvPr>
         </p:nvSpPr>
-        <p:spPr>
+        <p:spPr bwMode="auto">
+          <a:noFill/>
+          <a:ln>
+            <a:miter lim="800000"/>
+            <a:headEnd/>
+            <a:tailEnd/>
+          </a:ln>
+        </p:spPr>
+        <p:txBody>
+          <a:bodyPr wrap="square" numCol="1" anchorCtr="0" compatLnSpc="1">
+            <a:prstTxWarp prst="textNoShape">
+              <a:avLst/>
+            </a:prstTxWarp>
+          </a:bodyPr>
+          <a:lstStyle/>
+          <a:p>
+            <a:pPr fontAlgn="base">
+              <a:spcBef>
+                <a:spcPct val="0"/>
+              </a:spcBef>
+              <a:spcAft>
+                <a:spcPct val="0"/>
+              </a:spcAft>
+            </a:pPr>
+            <a:fld id="{6CBF15C6-0843-412D-8671-5F7B3ED9E5A6}" type="slidenum">
+              <a:rPr lang="tr-TR"/>
+              <a:pPr fontAlgn="base">
+                <a:spcBef>
+                  <a:spcPct val="0"/>
+                </a:spcBef>
+                <a:spcAft>
+                  <a:spcPct val="0"/>
+                </a:spcAft>
+              </a:pPr>
+              <a:t>2</a:t>
+            </a:fld>
+            <a:endParaRPr lang="tr-TR"/>
+          </a:p>
+        </p:txBody>
+      </p:sp>
+      <p:sp>
+        <p:nvSpPr>
+          <p:cNvPr id="16386" name="Rectangle 2"/>
+          <p:cNvSpPr>
+            <a:spLocks noGrp="1" noRot="1" noChangeArrowheads="1" noTextEdit="1"/>
+          </p:cNvSpPr>
+          <p:nvPr>
+            <p:ph type="sldImg"/>
+          </p:nvPr>
+        </p:nvSpPr>
+        <p:spPr bwMode="auto">
+          <a:noFill/>
+          <a:ln>
+            <a:solidFill>
+              <a:srgbClr val="000000"/>
+            </a:solidFill>
+            <a:miter lim="800000"/>
+            <a:headEnd/>
+            <a:tailEnd/>
+          </a:ln>
+        </p:spPr>
+      </p:sp>
+      <p:sp>
+        <p:nvSpPr>
+          <p:cNvPr id="16387" name="Rectangle 3"/>
+          <p:cNvSpPr>
+            <a:spLocks noGrp="1" noChangeArrowheads="1"/>
+          </p:cNvSpPr>
+          <p:nvPr>
+            <p:ph type="body" idx="1"/>
+          </p:nvPr>
+        </p:nvSpPr>
+        <p:spPr bwMode="auto">
           <a:noFill/>
         </p:spPr>
         <p:txBody>
-          <a:bodyPr/>
+          <a:bodyPr wrap="square" numCol="1" anchor="t" anchorCtr="0" compatLnSpc="1">
+            <a:prstTxWarp prst="textNoShape">
+              <a:avLst/>
+            </a:prstTxWarp>
+          </a:bodyPr>
           <a:lstStyle/>
           <a:p>
-            <a:fld id="{35142CF2-4BF2-462D-A752-2984E00C42A2}" type="slidenum">
-              <a:rPr lang="tr-TR" smtClean="0"/>
-              <a:pPr/>
-              <a:t>2</a:t>
-            </a:fld>
-            <a:endParaRPr lang="tr-TR" smtClean="0"/>
-          </a:p>
-        </p:txBody>
-      </p:sp>
-      <p:sp>
-        <p:nvSpPr>
-          <p:cNvPr id="179203" name="Rectangle 2"/>
-          <p:cNvSpPr>
-            <a:spLocks noRot="1" noChangeArrowheads="1" noTextEdit="1"/>
-          </p:cNvSpPr>
-          <p:nvPr>
-            <p:ph type="sldImg"/>
-          </p:nvPr>
-        </p:nvSpPr>
-        <p:spPr>
-          <a:ln/>
-        </p:spPr>
-      </p:sp>
-      <p:sp>
-        <p:nvSpPr>
-          <p:cNvPr id="179204" name="Rectangle 3"/>
-          <p:cNvSpPr>
-            <a:spLocks noGrp="1" noChangeArrowheads="1"/>
-          </p:cNvSpPr>
-          <p:nvPr>
-            <p:ph type="body" idx="1"/>
-          </p:nvPr>
-        </p:nvSpPr>
-        <p:spPr>
-          <a:noFill/>
-          <a:ln/>
-        </p:spPr>
-        <p:txBody>
-          <a:bodyPr/>
-          <a:lstStyle/>
-          <a:p>
-            <a:pPr eaLnBrk="1" hangingPunct="1"/>
+            <a:pPr>
+              <a:spcBef>
+                <a:spcPct val="0"/>
+              </a:spcBef>
+            </a:pPr>
             <a:r>
               <a:rPr lang="tr-TR" smtClean="0"/>
               <a:t>[6]</a:t>
@@ -577,7 +725,7 @@
       </p:grpSpPr>
       <p:sp>
         <p:nvSpPr>
-          <p:cNvPr id="180226" name="Rectangle 7"/>
+          <p:cNvPr id="18433" name="Rectangle 7"/>
           <p:cNvSpPr>
             <a:spLocks noGrp="1" noChangeArrowheads="1"/>
           </p:cNvSpPr>
@@ -585,55 +733,94 @@
             <p:ph type="sldNum" sz="quarter" idx="5"/>
           </p:nvPr>
         </p:nvSpPr>
-        <p:spPr>
+        <p:spPr bwMode="auto">
+          <a:noFill/>
+          <a:ln>
+            <a:miter lim="800000"/>
+            <a:headEnd/>
+            <a:tailEnd/>
+          </a:ln>
+        </p:spPr>
+        <p:txBody>
+          <a:bodyPr wrap="square" numCol="1" anchorCtr="0" compatLnSpc="1">
+            <a:prstTxWarp prst="textNoShape">
+              <a:avLst/>
+            </a:prstTxWarp>
+          </a:bodyPr>
+          <a:lstStyle/>
+          <a:p>
+            <a:pPr fontAlgn="base">
+              <a:spcBef>
+                <a:spcPct val="0"/>
+              </a:spcBef>
+              <a:spcAft>
+                <a:spcPct val="0"/>
+              </a:spcAft>
+            </a:pPr>
+            <a:fld id="{45D277E3-5051-46FC-B63B-C696E025F040}" type="slidenum">
+              <a:rPr lang="tr-TR"/>
+              <a:pPr fontAlgn="base">
+                <a:spcBef>
+                  <a:spcPct val="0"/>
+                </a:spcBef>
+                <a:spcAft>
+                  <a:spcPct val="0"/>
+                </a:spcAft>
+              </a:pPr>
+              <a:t>3</a:t>
+            </a:fld>
+            <a:endParaRPr lang="tr-TR"/>
+          </a:p>
+        </p:txBody>
+      </p:sp>
+      <p:sp>
+        <p:nvSpPr>
+          <p:cNvPr id="18434" name="Rectangle 2"/>
+          <p:cNvSpPr>
+            <a:spLocks noGrp="1" noRot="1" noChangeArrowheads="1" noTextEdit="1"/>
+          </p:cNvSpPr>
+          <p:nvPr>
+            <p:ph type="sldImg"/>
+          </p:nvPr>
+        </p:nvSpPr>
+        <p:spPr bwMode="auto">
+          <a:noFill/>
+          <a:ln>
+            <a:solidFill>
+              <a:srgbClr val="000000"/>
+            </a:solidFill>
+            <a:miter lim="800000"/>
+            <a:headEnd/>
+            <a:tailEnd/>
+          </a:ln>
+        </p:spPr>
+      </p:sp>
+      <p:sp>
+        <p:nvSpPr>
+          <p:cNvPr id="18435" name="Rectangle 3"/>
+          <p:cNvSpPr>
+            <a:spLocks noGrp="1" noChangeArrowheads="1"/>
+          </p:cNvSpPr>
+          <p:nvPr>
+            <p:ph type="body" idx="1"/>
+          </p:nvPr>
+        </p:nvSpPr>
+        <p:spPr bwMode="auto">
           <a:noFill/>
         </p:spPr>
         <p:txBody>
-          <a:bodyPr/>
+          <a:bodyPr wrap="square" numCol="1" anchor="t" anchorCtr="0" compatLnSpc="1">
+            <a:prstTxWarp prst="textNoShape">
+              <a:avLst/>
+            </a:prstTxWarp>
+          </a:bodyPr>
           <a:lstStyle/>
           <a:p>
-            <a:fld id="{9D6685E4-B472-4371-B997-F65CB778A0C1}" type="slidenum">
-              <a:rPr lang="tr-TR" smtClean="0"/>
-              <a:pPr/>
-              <a:t>3</a:t>
-            </a:fld>
-            <a:endParaRPr lang="tr-TR" smtClean="0"/>
-          </a:p>
-        </p:txBody>
-      </p:sp>
-      <p:sp>
-        <p:nvSpPr>
-          <p:cNvPr id="180227" name="Rectangle 2"/>
-          <p:cNvSpPr>
-            <a:spLocks noRot="1" noChangeArrowheads="1" noTextEdit="1"/>
-          </p:cNvSpPr>
-          <p:nvPr>
-            <p:ph type="sldImg"/>
-          </p:nvPr>
-        </p:nvSpPr>
-        <p:spPr>
-          <a:ln/>
-        </p:spPr>
-      </p:sp>
-      <p:sp>
-        <p:nvSpPr>
-          <p:cNvPr id="180228" name="Rectangle 3"/>
-          <p:cNvSpPr>
-            <a:spLocks noGrp="1" noChangeArrowheads="1"/>
-          </p:cNvSpPr>
-          <p:nvPr>
-            <p:ph type="body" idx="1"/>
-          </p:nvPr>
-        </p:nvSpPr>
-        <p:spPr>
-          <a:noFill/>
-          <a:ln/>
-        </p:spPr>
-        <p:txBody>
-          <a:bodyPr/>
-          <a:lstStyle/>
-          <a:p>
-            <a:pPr eaLnBrk="1" hangingPunct="1"/>
+            <a:pPr>
+              <a:spcBef>
+                <a:spcPct val="0"/>
+              </a:spcBef>
+            </a:pPr>
             <a:r>
               <a:rPr lang="tr-TR" smtClean="0"/>
               <a:t>[3]</a:t>
@@ -668,7 +855,7 @@
       </p:grpSpPr>
       <p:sp>
         <p:nvSpPr>
-          <p:cNvPr id="181250" name="Rectangle 7"/>
+          <p:cNvPr id="20481" name="Rectangle 7"/>
           <p:cNvSpPr>
             <a:spLocks noGrp="1" noChangeArrowheads="1"/>
           </p:cNvSpPr>
@@ -676,62 +863,105 @@
             <p:ph type="sldNum" sz="quarter" idx="5"/>
           </p:nvPr>
         </p:nvSpPr>
-        <p:spPr>
+        <p:spPr bwMode="auto">
+          <a:noFill/>
+          <a:ln>
+            <a:miter lim="800000"/>
+            <a:headEnd/>
+            <a:tailEnd/>
+          </a:ln>
+        </p:spPr>
+        <p:txBody>
+          <a:bodyPr wrap="square" numCol="1" anchorCtr="0" compatLnSpc="1">
+            <a:prstTxWarp prst="textNoShape">
+              <a:avLst/>
+            </a:prstTxWarp>
+          </a:bodyPr>
+          <a:lstStyle/>
+          <a:p>
+            <a:pPr fontAlgn="base">
+              <a:spcBef>
+                <a:spcPct val="0"/>
+              </a:spcBef>
+              <a:spcAft>
+                <a:spcPct val="0"/>
+              </a:spcAft>
+            </a:pPr>
+            <a:fld id="{E17CD64D-DF87-4CB5-BE88-9F6A7EDF1E79}" type="slidenum">
+              <a:rPr lang="tr-TR"/>
+              <a:pPr fontAlgn="base">
+                <a:spcBef>
+                  <a:spcPct val="0"/>
+                </a:spcBef>
+                <a:spcAft>
+                  <a:spcPct val="0"/>
+                </a:spcAft>
+              </a:pPr>
+              <a:t>4</a:t>
+            </a:fld>
+            <a:endParaRPr lang="tr-TR"/>
+          </a:p>
+        </p:txBody>
+      </p:sp>
+      <p:sp>
+        <p:nvSpPr>
+          <p:cNvPr id="20482" name="Rectangle 2"/>
+          <p:cNvSpPr>
+            <a:spLocks noGrp="1" noRot="1" noChangeArrowheads="1" noTextEdit="1"/>
+          </p:cNvSpPr>
+          <p:nvPr>
+            <p:ph type="sldImg"/>
+          </p:nvPr>
+        </p:nvSpPr>
+        <p:spPr bwMode="auto">
+          <a:noFill/>
+          <a:ln>
+            <a:solidFill>
+              <a:srgbClr val="000000"/>
+            </a:solidFill>
+            <a:miter lim="800000"/>
+            <a:headEnd/>
+            <a:tailEnd/>
+          </a:ln>
+        </p:spPr>
+      </p:sp>
+      <p:sp>
+        <p:nvSpPr>
+          <p:cNvPr id="20483" name="Rectangle 3"/>
+          <p:cNvSpPr>
+            <a:spLocks noGrp="1" noChangeArrowheads="1"/>
+          </p:cNvSpPr>
+          <p:nvPr>
+            <p:ph type="body" idx="1"/>
+          </p:nvPr>
+        </p:nvSpPr>
+        <p:spPr bwMode="auto">
           <a:noFill/>
         </p:spPr>
         <p:txBody>
-          <a:bodyPr/>
+          <a:bodyPr wrap="square" numCol="1" anchor="t" anchorCtr="0" compatLnSpc="1">
+            <a:prstTxWarp prst="textNoShape">
+              <a:avLst/>
+            </a:prstTxWarp>
+          </a:bodyPr>
           <a:lstStyle/>
           <a:p>
-            <a:fld id="{B64DF23F-7AB4-46C1-BEAD-92B2A464346C}" type="slidenum">
-              <a:rPr lang="tr-TR" smtClean="0"/>
-              <a:pPr/>
-              <a:t>4</a:t>
-            </a:fld>
-            <a:endParaRPr lang="tr-TR" smtClean="0"/>
-          </a:p>
-        </p:txBody>
-      </p:sp>
-      <p:sp>
-        <p:nvSpPr>
-          <p:cNvPr id="181251" name="Rectangle 2"/>
-          <p:cNvSpPr>
-            <a:spLocks noRot="1" noChangeArrowheads="1" noTextEdit="1"/>
-          </p:cNvSpPr>
-          <p:nvPr>
-            <p:ph type="sldImg"/>
-          </p:nvPr>
-        </p:nvSpPr>
-        <p:spPr>
-          <a:ln/>
-        </p:spPr>
-      </p:sp>
-      <p:sp>
-        <p:nvSpPr>
-          <p:cNvPr id="181252" name="Rectangle 3"/>
-          <p:cNvSpPr>
-            <a:spLocks noGrp="1" noChangeArrowheads="1"/>
-          </p:cNvSpPr>
-          <p:nvPr>
-            <p:ph type="body" idx="1"/>
-          </p:nvPr>
-        </p:nvSpPr>
-        <p:spPr>
-          <a:noFill/>
-          <a:ln/>
-        </p:spPr>
-        <p:txBody>
-          <a:bodyPr/>
-          <a:lstStyle/>
-          <a:p>
-            <a:pPr eaLnBrk="1" hangingPunct="1"/>
+            <a:pPr>
+              <a:spcBef>
+                <a:spcPct val="0"/>
+              </a:spcBef>
+            </a:pPr>
             <a:r>
               <a:rPr lang="tr-TR" smtClean="0"/>
               <a:t>kaynak\Ian Horrocks - CS646\3pt2-dlintro.ppt</a:t>
             </a:r>
           </a:p>
           <a:p>
-            <a:pPr eaLnBrk="1" hangingPunct="1"/>
+            <a:pPr>
+              <a:spcBef>
+                <a:spcPct val="0"/>
+              </a:spcBef>
+            </a:pPr>
             <a:r>
               <a:rPr lang="tr-TR" smtClean="0"/>
               <a:t>http://www.cs.man.ac.uk/~horrocks/Slides/index.html</a:t>
@@ -766,7 +996,7 @@
       </p:grpSpPr>
       <p:sp>
         <p:nvSpPr>
-          <p:cNvPr id="182274" name="Rectangle 7"/>
+          <p:cNvPr id="22529" name="Rectangle 7"/>
           <p:cNvSpPr>
             <a:spLocks noGrp="1" noChangeArrowheads="1"/>
           </p:cNvSpPr>
@@ -774,55 +1004,94 @@
             <p:ph type="sldNum" sz="quarter" idx="5"/>
           </p:nvPr>
         </p:nvSpPr>
-        <p:spPr>
+        <p:spPr bwMode="auto">
+          <a:noFill/>
+          <a:ln>
+            <a:miter lim="800000"/>
+            <a:headEnd/>
+            <a:tailEnd/>
+          </a:ln>
+        </p:spPr>
+        <p:txBody>
+          <a:bodyPr wrap="square" numCol="1" anchorCtr="0" compatLnSpc="1">
+            <a:prstTxWarp prst="textNoShape">
+              <a:avLst/>
+            </a:prstTxWarp>
+          </a:bodyPr>
+          <a:lstStyle/>
+          <a:p>
+            <a:pPr fontAlgn="base">
+              <a:spcBef>
+                <a:spcPct val="0"/>
+              </a:spcBef>
+              <a:spcAft>
+                <a:spcPct val="0"/>
+              </a:spcAft>
+            </a:pPr>
+            <a:fld id="{29869259-6781-4422-A6EB-D9485B5AD781}" type="slidenum">
+              <a:rPr lang="tr-TR"/>
+              <a:pPr fontAlgn="base">
+                <a:spcBef>
+                  <a:spcPct val="0"/>
+                </a:spcBef>
+                <a:spcAft>
+                  <a:spcPct val="0"/>
+                </a:spcAft>
+              </a:pPr>
+              <a:t>5</a:t>
+            </a:fld>
+            <a:endParaRPr lang="tr-TR"/>
+          </a:p>
+        </p:txBody>
+      </p:sp>
+      <p:sp>
+        <p:nvSpPr>
+          <p:cNvPr id="22530" name="Rectangle 2"/>
+          <p:cNvSpPr>
+            <a:spLocks noGrp="1" noRot="1" noChangeArrowheads="1" noTextEdit="1"/>
+          </p:cNvSpPr>
+          <p:nvPr>
+            <p:ph type="sldImg"/>
+          </p:nvPr>
+        </p:nvSpPr>
+        <p:spPr bwMode="auto">
+          <a:noFill/>
+          <a:ln>
+            <a:solidFill>
+              <a:srgbClr val="000000"/>
+            </a:solidFill>
+            <a:miter lim="800000"/>
+            <a:headEnd/>
+            <a:tailEnd/>
+          </a:ln>
+        </p:spPr>
+      </p:sp>
+      <p:sp>
+        <p:nvSpPr>
+          <p:cNvPr id="22531" name="Rectangle 3"/>
+          <p:cNvSpPr>
+            <a:spLocks noGrp="1" noChangeArrowheads="1"/>
+          </p:cNvSpPr>
+          <p:nvPr>
+            <p:ph type="body" idx="1"/>
+          </p:nvPr>
+        </p:nvSpPr>
+        <p:spPr bwMode="auto">
           <a:noFill/>
         </p:spPr>
         <p:txBody>
-          <a:bodyPr/>
+          <a:bodyPr wrap="square" numCol="1" anchor="t" anchorCtr="0" compatLnSpc="1">
+            <a:prstTxWarp prst="textNoShape">
+              <a:avLst/>
+            </a:prstTxWarp>
+          </a:bodyPr>
           <a:lstStyle/>
           <a:p>
-            <a:fld id="{7B6959F5-CC19-47AB-9819-13EE0A3A84B9}" type="slidenum">
-              <a:rPr lang="tr-TR" smtClean="0"/>
-              <a:pPr/>
-              <a:t>5</a:t>
-            </a:fld>
-            <a:endParaRPr lang="tr-TR" smtClean="0"/>
-          </a:p>
-        </p:txBody>
-      </p:sp>
-      <p:sp>
-        <p:nvSpPr>
-          <p:cNvPr id="182275" name="Rectangle 2"/>
-          <p:cNvSpPr>
-            <a:spLocks noRot="1" noChangeArrowheads="1" noTextEdit="1"/>
-          </p:cNvSpPr>
-          <p:nvPr>
-            <p:ph type="sldImg"/>
-          </p:nvPr>
-        </p:nvSpPr>
-        <p:spPr>
-          <a:ln/>
-        </p:spPr>
-      </p:sp>
-      <p:sp>
-        <p:nvSpPr>
-          <p:cNvPr id="182276" name="Rectangle 3"/>
-          <p:cNvSpPr>
-            <a:spLocks noGrp="1" noChangeArrowheads="1"/>
-          </p:cNvSpPr>
-          <p:nvPr>
-            <p:ph type="body" idx="1"/>
-          </p:nvPr>
-        </p:nvSpPr>
-        <p:spPr>
-          <a:noFill/>
-          <a:ln/>
-        </p:spPr>
-        <p:txBody>
-          <a:bodyPr/>
-          <a:lstStyle/>
-          <a:p>
-            <a:pPr eaLnBrk="1" hangingPunct="1"/>
+            <a:pPr>
+              <a:spcBef>
+                <a:spcPct val="0"/>
+              </a:spcBef>
+            </a:pPr>
             <a:r>
               <a:rPr lang="tr-TR" smtClean="0"/>
               <a:t>[3]</a:t>
@@ -857,7 +1126,7 @@
       </p:grpSpPr>
       <p:sp>
         <p:nvSpPr>
-          <p:cNvPr id="183298" name="Rectangle 7"/>
+          <p:cNvPr id="24577" name="Rectangle 7"/>
           <p:cNvSpPr>
             <a:spLocks noGrp="1" noChangeArrowheads="1"/>
           </p:cNvSpPr>
@@ -865,55 +1134,94 @@
             <p:ph type="sldNum" sz="quarter" idx="5"/>
           </p:nvPr>
         </p:nvSpPr>
-        <p:spPr>
+        <p:spPr bwMode="auto">
+          <a:noFill/>
+          <a:ln>
+            <a:miter lim="800000"/>
+            <a:headEnd/>
+            <a:tailEnd/>
+          </a:ln>
+        </p:spPr>
+        <p:txBody>
+          <a:bodyPr wrap="square" numCol="1" anchorCtr="0" compatLnSpc="1">
+            <a:prstTxWarp prst="textNoShape">
+              <a:avLst/>
+            </a:prstTxWarp>
+          </a:bodyPr>
+          <a:lstStyle/>
+          <a:p>
+            <a:pPr fontAlgn="base">
+              <a:spcBef>
+                <a:spcPct val="0"/>
+              </a:spcBef>
+              <a:spcAft>
+                <a:spcPct val="0"/>
+              </a:spcAft>
+            </a:pPr>
+            <a:fld id="{D21C9AB9-A74B-4243-B2F1-6B5B6A873536}" type="slidenum">
+              <a:rPr lang="tr-TR"/>
+              <a:pPr fontAlgn="base">
+                <a:spcBef>
+                  <a:spcPct val="0"/>
+                </a:spcBef>
+                <a:spcAft>
+                  <a:spcPct val="0"/>
+                </a:spcAft>
+              </a:pPr>
+              <a:t>6</a:t>
+            </a:fld>
+            <a:endParaRPr lang="tr-TR"/>
+          </a:p>
+        </p:txBody>
+      </p:sp>
+      <p:sp>
+        <p:nvSpPr>
+          <p:cNvPr id="24578" name="Rectangle 2"/>
+          <p:cNvSpPr>
+            <a:spLocks noGrp="1" noRot="1" noChangeArrowheads="1" noTextEdit="1"/>
+          </p:cNvSpPr>
+          <p:nvPr>
+            <p:ph type="sldImg"/>
+          </p:nvPr>
+        </p:nvSpPr>
+        <p:spPr bwMode="auto">
+          <a:noFill/>
+          <a:ln>
+            <a:solidFill>
+              <a:srgbClr val="000000"/>
+            </a:solidFill>
+            <a:miter lim="800000"/>
+            <a:headEnd/>
+            <a:tailEnd/>
+          </a:ln>
+        </p:spPr>
+      </p:sp>
+      <p:sp>
+        <p:nvSpPr>
+          <p:cNvPr id="24579" name="Rectangle 3"/>
+          <p:cNvSpPr>
+            <a:spLocks noGrp="1" noChangeArrowheads="1"/>
+          </p:cNvSpPr>
+          <p:nvPr>
+            <p:ph type="body" idx="1"/>
+          </p:nvPr>
+        </p:nvSpPr>
+        <p:spPr bwMode="auto">
           <a:noFill/>
         </p:spPr>
         <p:txBody>
-          <a:bodyPr/>
+          <a:bodyPr wrap="square" numCol="1" anchor="t" anchorCtr="0" compatLnSpc="1">
+            <a:prstTxWarp prst="textNoShape">
+              <a:avLst/>
+            </a:prstTxWarp>
+          </a:bodyPr>
           <a:lstStyle/>
           <a:p>
-            <a:fld id="{5243104A-5EB8-4FF3-957E-27FBF815775A}" type="slidenum">
-              <a:rPr lang="tr-TR" smtClean="0"/>
-              <a:pPr/>
-              <a:t>6</a:t>
-            </a:fld>
-            <a:endParaRPr lang="tr-TR" smtClean="0"/>
-          </a:p>
-        </p:txBody>
-      </p:sp>
-      <p:sp>
-        <p:nvSpPr>
-          <p:cNvPr id="183299" name="Rectangle 2"/>
-          <p:cNvSpPr>
-            <a:spLocks noRot="1" noChangeArrowheads="1" noTextEdit="1"/>
-          </p:cNvSpPr>
-          <p:nvPr>
-            <p:ph type="sldImg"/>
-          </p:nvPr>
-        </p:nvSpPr>
-        <p:spPr>
-          <a:ln/>
-        </p:spPr>
-      </p:sp>
-      <p:sp>
-        <p:nvSpPr>
-          <p:cNvPr id="183300" name="Rectangle 3"/>
-          <p:cNvSpPr>
-            <a:spLocks noGrp="1" noChangeArrowheads="1"/>
-          </p:cNvSpPr>
-          <p:nvPr>
-            <p:ph type="body" idx="1"/>
-          </p:nvPr>
-        </p:nvSpPr>
-        <p:spPr>
-          <a:noFill/>
-          <a:ln/>
-        </p:spPr>
-        <p:txBody>
-          <a:bodyPr/>
-          <a:lstStyle/>
-          <a:p>
-            <a:pPr eaLnBrk="1" hangingPunct="1"/>
+            <a:pPr>
+              <a:spcBef>
+                <a:spcPct val="0"/>
+              </a:spcBef>
+            </a:pPr>
             <a:r>
               <a:rPr lang="tr-TR" smtClean="0"/>
               <a:t>[3]</a:t>
@@ -948,7 +1256,7 @@
       </p:grpSpPr>
       <p:sp>
         <p:nvSpPr>
-          <p:cNvPr id="184322" name="Rectangle 7"/>
+          <p:cNvPr id="26625" name="Rectangle 7"/>
           <p:cNvSpPr>
             <a:spLocks noGrp="1" noChangeArrowheads="1"/>
           </p:cNvSpPr>
@@ -956,43 +1264,75 @@
             <p:ph type="sldNum" sz="quarter" idx="5"/>
           </p:nvPr>
         </p:nvSpPr>
-        <p:spPr>
+        <p:spPr bwMode="auto">
           <a:noFill/>
+          <a:ln>
+            <a:miter lim="800000"/>
+            <a:headEnd/>
+            <a:tailEnd/>
+          </a:ln>
         </p:spPr>
         <p:txBody>
-          <a:bodyPr/>
+          <a:bodyPr wrap="square" numCol="1" anchorCtr="0" compatLnSpc="1">
+            <a:prstTxWarp prst="textNoShape">
+              <a:avLst/>
+            </a:prstTxWarp>
+          </a:bodyPr>
           <a:lstStyle/>
           <a:p>
-            <a:fld id="{F1354824-B054-40B4-B81F-4752589FE596}" type="slidenum">
-              <a:rPr lang="tr-TR" smtClean="0"/>
-              <a:pPr/>
+            <a:pPr fontAlgn="base">
+              <a:spcBef>
+                <a:spcPct val="0"/>
+              </a:spcBef>
+              <a:spcAft>
+                <a:spcPct val="0"/>
+              </a:spcAft>
+            </a:pPr>
+            <a:fld id="{4BC1FEAB-565F-4714-A91F-67014101CB78}" type="slidenum">
+              <a:rPr lang="tr-TR"/>
+              <a:pPr fontAlgn="base">
+                <a:spcBef>
+                  <a:spcPct val="0"/>
+                </a:spcBef>
+                <a:spcAft>
+                  <a:spcPct val="0"/>
+                </a:spcAft>
+              </a:pPr>
               <a:t>7</a:t>
             </a:fld>
-            <a:endParaRPr lang="tr-TR" smtClean="0"/>
-          </a:p>
-        </p:txBody>
-      </p:sp>
-      <p:sp>
-        <p:nvSpPr>
-          <p:cNvPr id="184323" name="Rectangle 2"/>
-          <p:cNvSpPr>
-            <a:spLocks noRot="1" noChangeArrowheads="1" noTextEdit="1"/>
+            <a:endParaRPr lang="tr-TR"/>
+          </a:p>
+        </p:txBody>
+      </p:sp>
+      <p:sp>
+        <p:nvSpPr>
+          <p:cNvPr id="26626" name="Rectangle 2"/>
+          <p:cNvSpPr>
+            <a:spLocks noGrp="1" noRot="1" noChangeArrowheads="1" noTextEdit="1"/>
           </p:cNvSpPr>
           <p:nvPr>
             <p:ph type="sldImg"/>
           </p:nvPr>
         </p:nvSpPr>
-        <p:spPr>
+        <p:spPr bwMode="auto">
           <a:xfrm>
             <a:off x="1985963" y="542925"/>
             <a:ext cx="2886075" cy="2163763"/>
           </a:xfrm>
-          <a:ln/>
+          <a:noFill/>
+          <a:ln>
+            <a:solidFill>
+              <a:srgbClr val="000000"/>
+            </a:solidFill>
+            <a:miter lim="800000"/>
+            <a:headEnd/>
+            <a:tailEnd/>
+          </a:ln>
         </p:spPr>
       </p:sp>
       <p:sp>
         <p:nvSpPr>
-          <p:cNvPr id="184324" name="Rectangle 3"/>
+          <p:cNvPr id="26627" name="Rectangle 3"/>
           <p:cNvSpPr>
             <a:spLocks noGrp="1" noChangeArrowheads="1"/>
           </p:cNvSpPr>
@@ -1000,19 +1340,26 @@
             <p:ph type="body" idx="1"/>
           </p:nvPr>
         </p:nvSpPr>
-        <p:spPr>
+        <p:spPr bwMode="auto">
           <a:xfrm>
             <a:off x="915988" y="2921000"/>
             <a:ext cx="5026025" cy="5538788"/>
           </a:xfrm>
           <a:noFill/>
-          <a:ln/>
         </p:spPr>
         <p:txBody>
-          <a:bodyPr/>
+          <a:bodyPr wrap="square" numCol="1" anchor="t" anchorCtr="0" compatLnSpc="1">
+            <a:prstTxWarp prst="textNoShape">
+              <a:avLst/>
+            </a:prstTxWarp>
+          </a:bodyPr>
           <a:lstStyle/>
           <a:p>
-            <a:pPr eaLnBrk="1" hangingPunct="1"/>
+            <a:pPr>
+              <a:spcBef>
+                <a:spcPct val="0"/>
+              </a:spcBef>
+            </a:pPr>
             <a:r>
               <a:rPr lang="tr-TR" smtClean="0"/>
               <a:t>[4]</a:t>
@@ -1048,7 +1395,7 @@
       </p:grpSpPr>
       <p:sp>
         <p:nvSpPr>
-          <p:cNvPr id="185346" name="Rectangle 7"/>
+          <p:cNvPr id="28673" name="Rectangle 7"/>
           <p:cNvSpPr>
             <a:spLocks noGrp="1" noChangeArrowheads="1"/>
           </p:cNvSpPr>
@@ -1056,55 +1403,94 @@
             <p:ph type="sldNum" sz="quarter" idx="5"/>
           </p:nvPr>
         </p:nvSpPr>
-        <p:spPr>
+        <p:spPr bwMode="auto">
+          <a:noFill/>
+          <a:ln>
+            <a:miter lim="800000"/>
+            <a:headEnd/>
+            <a:tailEnd/>
+          </a:ln>
+        </p:spPr>
+        <p:txBody>
+          <a:bodyPr wrap="square" numCol="1" anchorCtr="0" compatLnSpc="1">
+            <a:prstTxWarp prst="textNoShape">
+              <a:avLst/>
+            </a:prstTxWarp>
+          </a:bodyPr>
+          <a:lstStyle/>
+          <a:p>
+            <a:pPr fontAlgn="base">
+              <a:spcBef>
+                <a:spcPct val="0"/>
+              </a:spcBef>
+              <a:spcAft>
+                <a:spcPct val="0"/>
+              </a:spcAft>
+            </a:pPr>
+            <a:fld id="{D9252A77-A4AA-4DC7-96E2-531F381E4DF3}" type="slidenum">
+              <a:rPr lang="tr-TR"/>
+              <a:pPr fontAlgn="base">
+                <a:spcBef>
+                  <a:spcPct val="0"/>
+                </a:spcBef>
+                <a:spcAft>
+                  <a:spcPct val="0"/>
+                </a:spcAft>
+              </a:pPr>
+              <a:t>8</a:t>
+            </a:fld>
+            <a:endParaRPr lang="tr-TR"/>
+          </a:p>
+        </p:txBody>
+      </p:sp>
+      <p:sp>
+        <p:nvSpPr>
+          <p:cNvPr id="28674" name="Rectangle 2"/>
+          <p:cNvSpPr>
+            <a:spLocks noGrp="1" noRot="1" noChangeArrowheads="1" noTextEdit="1"/>
+          </p:cNvSpPr>
+          <p:nvPr>
+            <p:ph type="sldImg"/>
+          </p:nvPr>
+        </p:nvSpPr>
+        <p:spPr bwMode="auto">
+          <a:noFill/>
+          <a:ln>
+            <a:solidFill>
+              <a:srgbClr val="000000"/>
+            </a:solidFill>
+            <a:miter lim="800000"/>
+            <a:headEnd/>
+            <a:tailEnd/>
+          </a:ln>
+        </p:spPr>
+      </p:sp>
+      <p:sp>
+        <p:nvSpPr>
+          <p:cNvPr id="28675" name="Rectangle 3"/>
+          <p:cNvSpPr>
+            <a:spLocks noGrp="1" noChangeArrowheads="1"/>
+          </p:cNvSpPr>
+          <p:nvPr>
+            <p:ph type="body" idx="1"/>
+          </p:nvPr>
+        </p:nvSpPr>
+        <p:spPr bwMode="auto">
           <a:noFill/>
         </p:spPr>
         <p:txBody>
-          <a:bodyPr/>
+          <a:bodyPr wrap="square" numCol="1" anchor="t" anchorCtr="0" compatLnSpc="1">
+            <a:prstTxWarp prst="textNoShape">
+              <a:avLst/>
+            </a:prstTxWarp>
+          </a:bodyPr>
           <a:lstStyle/>
           <a:p>
-            <a:fld id="{93F2F466-7B48-4D19-B7A5-F95FFD943415}" type="slidenum">
-              <a:rPr lang="tr-TR" smtClean="0"/>
-              <a:pPr/>
-              <a:t>8</a:t>
-            </a:fld>
-            <a:endParaRPr lang="tr-TR" smtClean="0"/>
-          </a:p>
-        </p:txBody>
-      </p:sp>
-      <p:sp>
-        <p:nvSpPr>
-          <p:cNvPr id="185347" name="Rectangle 2"/>
-          <p:cNvSpPr>
-            <a:spLocks noRot="1" noChangeArrowheads="1" noTextEdit="1"/>
-          </p:cNvSpPr>
-          <p:nvPr>
-            <p:ph type="sldImg"/>
-          </p:nvPr>
-        </p:nvSpPr>
-        <p:spPr>
-          <a:ln/>
-        </p:spPr>
-      </p:sp>
-      <p:sp>
-        <p:nvSpPr>
-          <p:cNvPr id="185348" name="Rectangle 3"/>
-          <p:cNvSpPr>
-            <a:spLocks noGrp="1" noChangeArrowheads="1"/>
-          </p:cNvSpPr>
-          <p:nvPr>
-            <p:ph type="body" idx="1"/>
-          </p:nvPr>
-        </p:nvSpPr>
-        <p:spPr>
-          <a:noFill/>
-          <a:ln/>
-        </p:spPr>
-        <p:txBody>
-          <a:bodyPr/>
-          <a:lstStyle/>
-          <a:p>
-            <a:pPr eaLnBrk="1" hangingPunct="1"/>
+            <a:pPr>
+              <a:spcBef>
+                <a:spcPct val="0"/>
+              </a:spcBef>
+            </a:pPr>
             <a:r>
               <a:rPr lang="tr-TR" smtClean="0"/>
               <a:t>[6]</a:t>
@@ -1139,7 +1525,7 @@
       </p:grpSpPr>
       <p:sp>
         <p:nvSpPr>
-          <p:cNvPr id="186370" name="Rectangle 7"/>
+          <p:cNvPr id="30721" name="Rectangle 7"/>
           <p:cNvSpPr>
             <a:spLocks noGrp="1" noChangeArrowheads="1"/>
           </p:cNvSpPr>
@@ -1147,55 +1533,94 @@
             <p:ph type="sldNum" sz="quarter" idx="5"/>
           </p:nvPr>
         </p:nvSpPr>
-        <p:spPr>
+        <p:spPr bwMode="auto">
+          <a:noFill/>
+          <a:ln>
+            <a:miter lim="800000"/>
+            <a:headEnd/>
+            <a:tailEnd/>
+          </a:ln>
+        </p:spPr>
+        <p:txBody>
+          <a:bodyPr wrap="square" numCol="1" anchorCtr="0" compatLnSpc="1">
+            <a:prstTxWarp prst="textNoShape">
+              <a:avLst/>
+            </a:prstTxWarp>
+          </a:bodyPr>
+          <a:lstStyle/>
+          <a:p>
+            <a:pPr fontAlgn="base">
+              <a:spcBef>
+                <a:spcPct val="0"/>
+              </a:spcBef>
+              <a:spcAft>
+                <a:spcPct val="0"/>
+              </a:spcAft>
+            </a:pPr>
+            <a:fld id="{AB6A1838-D612-4AC3-B2FB-C9B4230BFCAF}" type="slidenum">
+              <a:rPr lang="tr-TR"/>
+              <a:pPr fontAlgn="base">
+                <a:spcBef>
+                  <a:spcPct val="0"/>
+                </a:spcBef>
+                <a:spcAft>
+                  <a:spcPct val="0"/>
+                </a:spcAft>
+              </a:pPr>
+              <a:t>9</a:t>
+            </a:fld>
+            <a:endParaRPr lang="tr-TR"/>
+          </a:p>
+        </p:txBody>
+      </p:sp>
+      <p:sp>
+        <p:nvSpPr>
+          <p:cNvPr id="30722" name="Rectangle 2"/>
+          <p:cNvSpPr>
+            <a:spLocks noGrp="1" noRot="1" noChangeArrowheads="1" noTextEdit="1"/>
+          </p:cNvSpPr>
+          <p:nvPr>
+            <p:ph type="sldImg"/>
+          </p:nvPr>
+        </p:nvSpPr>
+        <p:spPr bwMode="auto">
+          <a:noFill/>
+          <a:ln>
+            <a:solidFill>
+              <a:srgbClr val="000000"/>
+            </a:solidFill>
+            <a:miter lim="800000"/>
+            <a:headEnd/>
+            <a:tailEnd/>
+          </a:ln>
+        </p:spPr>
+      </p:sp>
+      <p:sp>
+        <p:nvSpPr>
+          <p:cNvPr id="30723" name="Rectangle 3"/>
+          <p:cNvSpPr>
+            <a:spLocks noGrp="1" noChangeArrowheads="1"/>
+          </p:cNvSpPr>
+          <p:nvPr>
+            <p:ph type="body" idx="1"/>
+          </p:nvPr>
+        </p:nvSpPr>
+        <p:spPr bwMode="auto">
           <a:noFill/>
         </p:spPr>
         <p:txBody>
-          <a:bodyPr/>
+          <a:bodyPr wrap="square" numCol="1" anchor="t" anchorCtr="0" compatLnSpc="1">
+            <a:prstTxWarp prst="textNoShape">
+              <a:avLst/>
+            </a:prstTxWarp>
+          </a:bodyPr>
           <a:lstStyle/>
           <a:p>
-            <a:fld id="{A7A18624-299B-495A-BD4A-408D40CC785A}" type="slidenum">
-              <a:rPr lang="tr-TR" smtClean="0"/>
-              <a:pPr/>
-              <a:t>9</a:t>
-            </a:fld>
-            <a:endParaRPr lang="tr-TR" smtClean="0"/>
-          </a:p>
-        </p:txBody>
-      </p:sp>
-      <p:sp>
-        <p:nvSpPr>
-          <p:cNvPr id="186371" name="Rectangle 2"/>
-          <p:cNvSpPr>
-            <a:spLocks noRot="1" noChangeArrowheads="1" noTextEdit="1"/>
-          </p:cNvSpPr>
-          <p:nvPr>
-            <p:ph type="sldImg"/>
-          </p:nvPr>
-        </p:nvSpPr>
-        <p:spPr>
-          <a:ln/>
-        </p:spPr>
-      </p:sp>
-      <p:sp>
-        <p:nvSpPr>
-          <p:cNvPr id="186372" name="Rectangle 3"/>
-          <p:cNvSpPr>
-            <a:spLocks noGrp="1" noChangeArrowheads="1"/>
-          </p:cNvSpPr>
-          <p:nvPr>
-            <p:ph type="body" idx="1"/>
-          </p:nvPr>
-        </p:nvSpPr>
-        <p:spPr>
-          <a:noFill/>
-          <a:ln/>
-        </p:spPr>
-        <p:txBody>
-          <a:bodyPr/>
-          <a:lstStyle/>
-          <a:p>
-            <a:pPr eaLnBrk="1" hangingPunct="1"/>
+            <a:pPr>
+              <a:spcBef>
+                <a:spcPct val="0"/>
+              </a:spcBef>
+            </a:pPr>
             <a:r>
               <a:rPr lang="tr-TR" smtClean="0"/>
               <a:t>(kaynak\Ian Horrocks - CS646\3pt2-dlintro.ppt) {</a:t>
@@ -1203,7 +1628,11 @@
             <a:endParaRPr lang="tr-TR" sz="1000" smtClean="0"/>
           </a:p>
           <a:p>
-            <a:pPr eaLnBrk="1" hangingPunct="1"/>
+            <a:pPr>
+              <a:spcBef>
+                <a:spcPct val="0"/>
+              </a:spcBef>
+            </a:pPr>
             <a:r>
               <a:rPr lang="tr-TR" sz="1000" smtClean="0"/>
               <a:t>Description Logis </a:t>
@@ -1219,14 +1648,22 @@
             <a:endParaRPr lang="tr-TR" smtClean="0"/>
           </a:p>
           <a:p>
-            <a:pPr lvl="1" eaLnBrk="1" hangingPunct="1"/>
+            <a:pPr lvl="1">
+              <a:spcBef>
+                <a:spcPct val="0"/>
+              </a:spcBef>
+            </a:pPr>
             <a:r>
               <a:rPr lang="en-GB" smtClean="0"/>
               <a:t>Individuals secondary</a:t>
             </a:r>
           </a:p>
           <a:p>
-            <a:pPr eaLnBrk="1" hangingPunct="1"/>
+            <a:pPr>
+              <a:spcBef>
+                <a:spcPct val="0"/>
+              </a:spcBef>
+            </a:pPr>
             <a:r>
               <a:rPr lang="tr-TR" smtClean="0"/>
               <a:t> }</a:t>
@@ -1419,12 +1856,21 @@
         <p:spPr/>
         <p:txBody>
           <a:bodyPr/>
-          <a:lstStyle/>
-          <a:p>
-            <a:fld id="{1D8BD707-D9CF-40AE-B4C6-C98DA3205C09}" type="datetimeFigureOut">
-              <a:rPr lang="en-US" smtClean="0"/>
-              <a:pPr/>
-              <a:t>2/4/2009</a:t>
+          <a:lstStyle>
+            <a:lvl1pPr>
+              <a:defRPr/>
+            </a:lvl1pPr>
+          </a:lstStyle>
+          <a:p>
+            <a:pPr>
+              <a:defRPr/>
+            </a:pPr>
+            <a:fld id="{C78A5362-3A2E-46D6-93A7-7DE80D6AB66A}" type="datetimeFigureOut">
+              <a:rPr lang="en-US"/>
+              <a:pPr>
+                <a:defRPr/>
+              </a:pPr>
+              <a:t>2/22/2009</a:t>
             </a:fld>
             <a:endParaRPr lang="en-US"/>
           </a:p>
@@ -1443,8 +1889,15 @@
         <p:spPr/>
         <p:txBody>
           <a:bodyPr/>
-          <a:lstStyle/>
-          <a:p>
+          <a:lstStyle>
+            <a:lvl1pPr>
+              <a:defRPr/>
+            </a:lvl1pPr>
+          </a:lstStyle>
+          <a:p>
+            <a:pPr>
+              <a:defRPr/>
+            </a:pPr>
             <a:endParaRPr lang="en-US"/>
           </a:p>
         </p:txBody>
@@ -1462,11 +1915,20 @@
         <p:spPr/>
         <p:txBody>
           <a:bodyPr/>
-          <a:lstStyle/>
-          <a:p>
-            <a:fld id="{B6F15528-21DE-4FAA-801E-634DDDAF4B2B}" type="slidenum">
-              <a:rPr lang="en-US" smtClean="0"/>
-              <a:pPr/>
+          <a:lstStyle>
+            <a:lvl1pPr>
+              <a:defRPr/>
+            </a:lvl1pPr>
+          </a:lstStyle>
+          <a:p>
+            <a:pPr>
+              <a:defRPr/>
+            </a:pPr>
+            <a:fld id="{FBD72AFD-DBED-40B2-96B0-878130D61F79}" type="slidenum">
+              <a:rPr lang="en-US"/>
+              <a:pPr>
+                <a:defRPr/>
+              </a:pPr>
               <a:t>‹#›</a:t>
             </a:fld>
             <a:endParaRPr lang="en-US"/>
@@ -1586,12 +2048,21 @@
         <p:spPr/>
         <p:txBody>
           <a:bodyPr/>
-          <a:lstStyle/>
-          <a:p>
-            <a:fld id="{1D8BD707-D9CF-40AE-B4C6-C98DA3205C09}" type="datetimeFigureOut">
-              <a:rPr lang="en-US" smtClean="0"/>
-              <a:pPr/>
-              <a:t>2/4/2009</a:t>
+          <a:lstStyle>
+            <a:lvl1pPr>
+              <a:defRPr/>
+            </a:lvl1pPr>
+          </a:lstStyle>
+          <a:p>
+            <a:pPr>
+              <a:defRPr/>
+            </a:pPr>
+            <a:fld id="{C06F43EE-199F-4F0D-A6FB-1F3F6CABBFF6}" type="datetimeFigureOut">
+              <a:rPr lang="en-US"/>
+              <a:pPr>
+                <a:defRPr/>
+              </a:pPr>
+              <a:t>2/22/2009</a:t>
             </a:fld>
             <a:endParaRPr lang="en-US"/>
           </a:p>
@@ -1610,8 +2081,15 @@
         <p:spPr/>
         <p:txBody>
           <a:bodyPr/>
-          <a:lstStyle/>
-          <a:p>
+          <a:lstStyle>
+            <a:lvl1pPr>
+              <a:defRPr/>
+            </a:lvl1pPr>
+          </a:lstStyle>
+          <a:p>
+            <a:pPr>
+              <a:defRPr/>
+            </a:pPr>
             <a:endParaRPr lang="en-US"/>
           </a:p>
         </p:txBody>
@@ -1629,11 +2107,20 @@
         <p:spPr/>
         <p:txBody>
           <a:bodyPr/>
-          <a:lstStyle/>
-          <a:p>
-            <a:fld id="{B6F15528-21DE-4FAA-801E-634DDDAF4B2B}" type="slidenum">
-              <a:rPr lang="en-US" smtClean="0"/>
-              <a:pPr/>
+          <a:lstStyle>
+            <a:lvl1pPr>
+              <a:defRPr/>
+            </a:lvl1pPr>
+          </a:lstStyle>
+          <a:p>
+            <a:pPr>
+              <a:defRPr/>
+            </a:pPr>
+            <a:fld id="{B75A037F-D96C-47AA-84C6-187E9B373D21}" type="slidenum">
+              <a:rPr lang="en-US"/>
+              <a:pPr>
+                <a:defRPr/>
+              </a:pPr>
               <a:t>‹#›</a:t>
             </a:fld>
             <a:endParaRPr lang="en-US"/>
@@ -1763,12 +2250,21 @@
         <p:spPr/>
         <p:txBody>
           <a:bodyPr/>
-          <a:lstStyle/>
-          <a:p>
-            <a:fld id="{1D8BD707-D9CF-40AE-B4C6-C98DA3205C09}" type="datetimeFigureOut">
-              <a:rPr lang="en-US" smtClean="0"/>
-              <a:pPr/>
-              <a:t>2/4/2009</a:t>
+          <a:lstStyle>
+            <a:lvl1pPr>
+              <a:defRPr/>
+            </a:lvl1pPr>
+          </a:lstStyle>
+          <a:p>
+            <a:pPr>
+              <a:defRPr/>
+            </a:pPr>
+            <a:fld id="{B76AB236-F912-4D8B-B399-B61A4E6E9A5B}" type="datetimeFigureOut">
+              <a:rPr lang="en-US"/>
+              <a:pPr>
+                <a:defRPr/>
+              </a:pPr>
+              <a:t>2/22/2009</a:t>
             </a:fld>
             <a:endParaRPr lang="en-US"/>
           </a:p>
@@ -1787,8 +2283,15 @@
         <p:spPr/>
         <p:txBody>
           <a:bodyPr/>
-          <a:lstStyle/>
-          <a:p>
+          <a:lstStyle>
+            <a:lvl1pPr>
+              <a:defRPr/>
+            </a:lvl1pPr>
+          </a:lstStyle>
+          <a:p>
+            <a:pPr>
+              <a:defRPr/>
+            </a:pPr>
             <a:endParaRPr lang="en-US"/>
           </a:p>
         </p:txBody>
@@ -1806,11 +2309,20 @@
         <p:spPr/>
         <p:txBody>
           <a:bodyPr/>
-          <a:lstStyle/>
-          <a:p>
-            <a:fld id="{B6F15528-21DE-4FAA-801E-634DDDAF4B2B}" type="slidenum">
-              <a:rPr lang="en-US" smtClean="0"/>
-              <a:pPr/>
+          <a:lstStyle>
+            <a:lvl1pPr>
+              <a:defRPr/>
+            </a:lvl1pPr>
+          </a:lstStyle>
+          <a:p>
+            <a:pPr>
+              <a:defRPr/>
+            </a:pPr>
+            <a:fld id="{70A2FF69-ED5D-4DEC-A997-F7A6B74C80E8}" type="slidenum">
+              <a:rPr lang="en-US"/>
+              <a:pPr>
+                <a:defRPr/>
+              </a:pPr>
               <a:t>‹#›</a:t>
             </a:fld>
             <a:endParaRPr lang="en-US"/>
@@ -1930,12 +2442,21 @@
         <p:spPr/>
         <p:txBody>
           <a:bodyPr/>
-          <a:lstStyle/>
-          <a:p>
-            <a:fld id="{1D8BD707-D9CF-40AE-B4C6-C98DA3205C09}" type="datetimeFigureOut">
-              <a:rPr lang="en-US" smtClean="0"/>
-              <a:pPr/>
-              <a:t>2/4/2009</a:t>
+          <a:lstStyle>
+            <a:lvl1pPr>
+              <a:defRPr/>
+            </a:lvl1pPr>
+          </a:lstStyle>
+          <a:p>
+            <a:pPr>
+              <a:defRPr/>
+            </a:pPr>
+            <a:fld id="{F856C095-6DE8-403C-B0F9-74791F48720B}" type="datetimeFigureOut">
+              <a:rPr lang="en-US"/>
+              <a:pPr>
+                <a:defRPr/>
+              </a:pPr>
+              <a:t>2/22/2009</a:t>
             </a:fld>
             <a:endParaRPr lang="en-US"/>
           </a:p>
@@ -1954,8 +2475,15 @@
         <p:spPr/>
         <p:txBody>
           <a:bodyPr/>
-          <a:lstStyle/>
-          <a:p>
+          <a:lstStyle>
+            <a:lvl1pPr>
+              <a:defRPr/>
+            </a:lvl1pPr>
+          </a:lstStyle>
+          <a:p>
+            <a:pPr>
+              <a:defRPr/>
+            </a:pPr>
             <a:endParaRPr lang="en-US"/>
           </a:p>
         </p:txBody>
@@ -1973,11 +2501,20 @@
         <p:spPr/>
         <p:txBody>
           <a:bodyPr/>
-          <a:lstStyle/>
-          <a:p>
-            <a:fld id="{B6F15528-21DE-4FAA-801E-634DDDAF4B2B}" type="slidenum">
-              <a:rPr lang="en-US" smtClean="0"/>
-              <a:pPr/>
+          <a:lstStyle>
+            <a:lvl1pPr>
+              <a:defRPr/>
+            </a:lvl1pPr>
+          </a:lstStyle>
+          <a:p>
+            <a:pPr>
+              <a:defRPr/>
+            </a:pPr>
+            <a:fld id="{7EB07219-7834-4792-97B1-DCB9185F7F51}" type="slidenum">
+              <a:rPr lang="en-US"/>
+              <a:pPr>
+                <a:defRPr/>
+              </a:pPr>
               <a:t>‹#›</a:t>
             </a:fld>
             <a:endParaRPr lang="en-US"/>
@@ -2173,12 +2710,21 @@
         <p:spPr/>
         <p:txBody>
           <a:bodyPr/>
-          <a:lstStyle/>
-          <a:p>
-            <a:fld id="{1D8BD707-D9CF-40AE-B4C6-C98DA3205C09}" type="datetimeFigureOut">
-              <a:rPr lang="en-US" smtClean="0"/>
-              <a:pPr/>
-              <a:t>2/4/2009</a:t>
+          <a:lstStyle>
+            <a:lvl1pPr>
+              <a:defRPr/>
+            </a:lvl1pPr>
+          </a:lstStyle>
+          <a:p>
+            <a:pPr>
+              <a:defRPr/>
+            </a:pPr>
+            <a:fld id="{6DB350D3-598F-40AF-89BF-438406E7C7D8}" type="datetimeFigureOut">
+              <a:rPr lang="en-US"/>
+              <a:pPr>
+                <a:defRPr/>
+              </a:pPr>
+              <a:t>2/22/2009</a:t>
             </a:fld>
             <a:endParaRPr lang="en-US"/>
           </a:p>
@@ -2197,8 +2743,15 @@
         <p:spPr/>
         <p:txBody>
           <a:bodyPr/>
-          <a:lstStyle/>
-          <a:p>
+          <a:lstStyle>
+            <a:lvl1pPr>
+              <a:defRPr/>
+            </a:lvl1pPr>
+          </a:lstStyle>
+          <a:p>
+            <a:pPr>
+              <a:defRPr/>
+            </a:pPr>
             <a:endParaRPr lang="en-US"/>
           </a:p>
         </p:txBody>
@@ -2216,11 +2769,20 @@
         <p:spPr/>
         <p:txBody>
           <a:bodyPr/>
-          <a:lstStyle/>
-          <a:p>
-            <a:fld id="{B6F15528-21DE-4FAA-801E-634DDDAF4B2B}" type="slidenum">
-              <a:rPr lang="en-US" smtClean="0"/>
-              <a:pPr/>
+          <a:lstStyle>
+            <a:lvl1pPr>
+              <a:defRPr/>
+            </a:lvl1pPr>
+          </a:lstStyle>
+          <a:p>
+            <a:pPr>
+              <a:defRPr/>
+            </a:pPr>
+            <a:fld id="{5AA3B4ED-B1D7-4133-9498-D6C4E9E2F0D5}" type="slidenum">
+              <a:rPr lang="en-US"/>
+              <a:pPr>
+                <a:defRPr/>
+              </a:pPr>
               <a:t>‹#›</a:t>
             </a:fld>
             <a:endParaRPr lang="en-US"/>
@@ -2447,7 +3009,7 @@
       </p:sp>
       <p:sp>
         <p:nvSpPr>
-          <p:cNvPr id="5" name="Date Placeholder 4"/>
+          <p:cNvPr id="5" name="Date Placeholder 3"/>
           <p:cNvSpPr>
             <a:spLocks noGrp="1"/>
           </p:cNvSpPr>
@@ -2458,12 +3020,21 @@
         <p:spPr/>
         <p:txBody>
           <a:bodyPr/>
-          <a:lstStyle/>
-          <a:p>
-            <a:fld id="{1D8BD707-D9CF-40AE-B4C6-C98DA3205C09}" type="datetimeFigureOut">
-              <a:rPr lang="en-US" smtClean="0"/>
-              <a:pPr/>
-              <a:t>2/4/2009</a:t>
+          <a:lstStyle>
+            <a:lvl1pPr>
+              <a:defRPr/>
+            </a:lvl1pPr>
+          </a:lstStyle>
+          <a:p>
+            <a:pPr>
+              <a:defRPr/>
+            </a:pPr>
+            <a:fld id="{CA1CDF73-A6D6-4F7D-BF02-8DB229E33B2A}" type="datetimeFigureOut">
+              <a:rPr lang="en-US"/>
+              <a:pPr>
+                <a:defRPr/>
+              </a:pPr>
+              <a:t>2/22/2009</a:t>
             </a:fld>
             <a:endParaRPr lang="en-US"/>
           </a:p>
@@ -2471,7 +3042,7 @@
       </p:sp>
       <p:sp>
         <p:nvSpPr>
-          <p:cNvPr id="6" name="Footer Placeholder 5"/>
+          <p:cNvPr id="6" name="Footer Placeholder 4"/>
           <p:cNvSpPr>
             <a:spLocks noGrp="1"/>
           </p:cNvSpPr>
@@ -2482,15 +3053,22 @@
         <p:spPr/>
         <p:txBody>
           <a:bodyPr/>
-          <a:lstStyle/>
-          <a:p>
+          <a:lstStyle>
+            <a:lvl1pPr>
+              <a:defRPr/>
+            </a:lvl1pPr>
+          </a:lstStyle>
+          <a:p>
+            <a:pPr>
+              <a:defRPr/>
+            </a:pPr>
             <a:endParaRPr lang="en-US"/>
           </a:p>
         </p:txBody>
       </p:sp>
       <p:sp>
         <p:nvSpPr>
-          <p:cNvPr id="7" name="Slide Number Placeholder 6"/>
+          <p:cNvPr id="7" name="Slide Number Placeholder 5"/>
           <p:cNvSpPr>
             <a:spLocks noGrp="1"/>
           </p:cNvSpPr>
@@ -2501,11 +3079,20 @@
         <p:spPr/>
         <p:txBody>
           <a:bodyPr/>
-          <a:lstStyle/>
-          <a:p>
-            <a:fld id="{B6F15528-21DE-4FAA-801E-634DDDAF4B2B}" type="slidenum">
-              <a:rPr lang="en-US" smtClean="0"/>
-              <a:pPr/>
+          <a:lstStyle>
+            <a:lvl1pPr>
+              <a:defRPr/>
+            </a:lvl1pPr>
+          </a:lstStyle>
+          <a:p>
+            <a:pPr>
+              <a:defRPr/>
+            </a:pPr>
+            <a:fld id="{E7EFBE3A-55E9-4803-878D-1AF63A1712DC}" type="slidenum">
+              <a:rPr lang="en-US"/>
+              <a:pPr>
+                <a:defRPr/>
+              </a:pPr>
               <a:t>‹#›</a:t>
             </a:fld>
             <a:endParaRPr lang="en-US"/>
@@ -2866,7 +3453,7 @@
       </p:sp>
       <p:sp>
         <p:nvSpPr>
-          <p:cNvPr id="7" name="Date Placeholder 6"/>
+          <p:cNvPr id="7" name="Date Placeholder 3"/>
           <p:cNvSpPr>
             <a:spLocks noGrp="1"/>
           </p:cNvSpPr>
@@ -2877,12 +3464,21 @@
         <p:spPr/>
         <p:txBody>
           <a:bodyPr/>
-          <a:lstStyle/>
-          <a:p>
-            <a:fld id="{1D8BD707-D9CF-40AE-B4C6-C98DA3205C09}" type="datetimeFigureOut">
-              <a:rPr lang="en-US" smtClean="0"/>
-              <a:pPr/>
-              <a:t>2/4/2009</a:t>
+          <a:lstStyle>
+            <a:lvl1pPr>
+              <a:defRPr/>
+            </a:lvl1pPr>
+          </a:lstStyle>
+          <a:p>
+            <a:pPr>
+              <a:defRPr/>
+            </a:pPr>
+            <a:fld id="{58A18E03-082F-4D63-8A39-A85C096A4726}" type="datetimeFigureOut">
+              <a:rPr lang="en-US"/>
+              <a:pPr>
+                <a:defRPr/>
+              </a:pPr>
+              <a:t>2/22/2009</a:t>
             </a:fld>
             <a:endParaRPr lang="en-US"/>
           </a:p>
@@ -2890,7 +3486,7 @@
       </p:sp>
       <p:sp>
         <p:nvSpPr>
-          <p:cNvPr id="8" name="Footer Placeholder 7"/>
+          <p:cNvPr id="8" name="Footer Placeholder 4"/>
           <p:cNvSpPr>
             <a:spLocks noGrp="1"/>
           </p:cNvSpPr>
@@ -2901,15 +3497,22 @@
         <p:spPr/>
         <p:txBody>
           <a:bodyPr/>
-          <a:lstStyle/>
-          <a:p>
+          <a:lstStyle>
+            <a:lvl1pPr>
+              <a:defRPr/>
+            </a:lvl1pPr>
+          </a:lstStyle>
+          <a:p>
+            <a:pPr>
+              <a:defRPr/>
+            </a:pPr>
             <a:endParaRPr lang="en-US"/>
           </a:p>
         </p:txBody>
       </p:sp>
       <p:sp>
         <p:nvSpPr>
-          <p:cNvPr id="9" name="Slide Number Placeholder 8"/>
+          <p:cNvPr id="9" name="Slide Number Placeholder 5"/>
           <p:cNvSpPr>
             <a:spLocks noGrp="1"/>
           </p:cNvSpPr>
@@ -2920,11 +3523,20 @@
         <p:spPr/>
         <p:txBody>
           <a:bodyPr/>
-          <a:lstStyle/>
-          <a:p>
-            <a:fld id="{B6F15528-21DE-4FAA-801E-634DDDAF4B2B}" type="slidenum">
-              <a:rPr lang="en-US" smtClean="0"/>
-              <a:pPr/>
+          <a:lstStyle>
+            <a:lvl1pPr>
+              <a:defRPr/>
+            </a:lvl1pPr>
+          </a:lstStyle>
+          <a:p>
+            <a:pPr>
+              <a:defRPr/>
+            </a:pPr>
+            <a:fld id="{5CF7D912-1167-439C-A5FF-BF9649091FD6}" type="slidenum">
+              <a:rPr lang="en-US"/>
+              <a:pPr>
+                <a:defRPr/>
+              </a:pPr>
               <a:t>‹#›</a:t>
             </a:fld>
             <a:endParaRPr lang="en-US"/>
@@ -2981,7 +3593,7 @@
       </p:sp>
       <p:sp>
         <p:nvSpPr>
-          <p:cNvPr id="3" name="Date Placeholder 2"/>
+          <p:cNvPr id="3" name="Date Placeholder 3"/>
           <p:cNvSpPr>
             <a:spLocks noGrp="1"/>
           </p:cNvSpPr>
@@ -2992,12 +3604,21 @@
         <p:spPr/>
         <p:txBody>
           <a:bodyPr/>
-          <a:lstStyle/>
-          <a:p>
-            <a:fld id="{1D8BD707-D9CF-40AE-B4C6-C98DA3205C09}" type="datetimeFigureOut">
-              <a:rPr lang="en-US" smtClean="0"/>
-              <a:pPr/>
-              <a:t>2/4/2009</a:t>
+          <a:lstStyle>
+            <a:lvl1pPr>
+              <a:defRPr/>
+            </a:lvl1pPr>
+          </a:lstStyle>
+          <a:p>
+            <a:pPr>
+              <a:defRPr/>
+            </a:pPr>
+            <a:fld id="{6A117646-811D-4F30-9B89-31FB39D84EF2}" type="datetimeFigureOut">
+              <a:rPr lang="en-US"/>
+              <a:pPr>
+                <a:defRPr/>
+              </a:pPr>
+              <a:t>2/22/2009</a:t>
             </a:fld>
             <a:endParaRPr lang="en-US"/>
           </a:p>
@@ -3005,7 +3626,7 @@
       </p:sp>
       <p:sp>
         <p:nvSpPr>
-          <p:cNvPr id="4" name="Footer Placeholder 3"/>
+          <p:cNvPr id="4" name="Footer Placeholder 4"/>
           <p:cNvSpPr>
             <a:spLocks noGrp="1"/>
           </p:cNvSpPr>
@@ -3016,15 +3637,22 @@
         <p:spPr/>
         <p:txBody>
           <a:bodyPr/>
-          <a:lstStyle/>
-          <a:p>
+          <a:lstStyle>
+            <a:lvl1pPr>
+              <a:defRPr/>
+            </a:lvl1pPr>
+          </a:lstStyle>
+          <a:p>
+            <a:pPr>
+              <a:defRPr/>
+            </a:pPr>
             <a:endParaRPr lang="en-US"/>
           </a:p>
         </p:txBody>
       </p:sp>
       <p:sp>
         <p:nvSpPr>
-          <p:cNvPr id="5" name="Slide Number Placeholder 4"/>
+          <p:cNvPr id="5" name="Slide Number Placeholder 5"/>
           <p:cNvSpPr>
             <a:spLocks noGrp="1"/>
           </p:cNvSpPr>
@@ -3035,11 +3663,20 @@
         <p:spPr/>
         <p:txBody>
           <a:bodyPr/>
-          <a:lstStyle/>
-          <a:p>
-            <a:fld id="{B6F15528-21DE-4FAA-801E-634DDDAF4B2B}" type="slidenum">
-              <a:rPr lang="en-US" smtClean="0"/>
-              <a:pPr/>
+          <a:lstStyle>
+            <a:lvl1pPr>
+              <a:defRPr/>
+            </a:lvl1pPr>
+          </a:lstStyle>
+          <a:p>
+            <a:pPr>
+              <a:defRPr/>
+            </a:pPr>
+            <a:fld id="{63E0804C-550F-4F40-B96A-057F43C6CA94}" type="slidenum">
+              <a:rPr lang="en-US"/>
+              <a:pPr>
+                <a:defRPr/>
+              </a:pPr>
               <a:t>‹#›</a:t>
             </a:fld>
             <a:endParaRPr lang="en-US"/>
@@ -3073,7 +3710,7 @@
       </p:grpSpPr>
       <p:sp>
         <p:nvSpPr>
-          <p:cNvPr id="2" name="Date Placeholder 1"/>
+          <p:cNvPr id="2" name="Date Placeholder 3"/>
           <p:cNvSpPr>
             <a:spLocks noGrp="1"/>
           </p:cNvSpPr>
@@ -3084,12 +3721,21 @@
         <p:spPr/>
         <p:txBody>
           <a:bodyPr/>
-          <a:lstStyle/>
-          <a:p>
-            <a:fld id="{1D8BD707-D9CF-40AE-B4C6-C98DA3205C09}" type="datetimeFigureOut">
-              <a:rPr lang="en-US" smtClean="0"/>
-              <a:pPr/>
-              <a:t>2/4/2009</a:t>
+          <a:lstStyle>
+            <a:lvl1pPr>
+              <a:defRPr/>
+            </a:lvl1pPr>
+          </a:lstStyle>
+          <a:p>
+            <a:pPr>
+              <a:defRPr/>
+            </a:pPr>
+            <a:fld id="{B9DA6986-79FA-4DC4-9F79-3D64F4A1545C}" type="datetimeFigureOut">
+              <a:rPr lang="en-US"/>
+              <a:pPr>
+                <a:defRPr/>
+              </a:pPr>
+              <a:t>2/22/2009</a:t>
             </a:fld>
             <a:endParaRPr lang="en-US"/>
           </a:p>
@@ -3097,7 +3743,7 @@
       </p:sp>
       <p:sp>
         <p:nvSpPr>
-          <p:cNvPr id="3" name="Footer Placeholder 2"/>
+          <p:cNvPr id="3" name="Footer Placeholder 4"/>
           <p:cNvSpPr>
             <a:spLocks noGrp="1"/>
           </p:cNvSpPr>
@@ -3108,15 +3754,22 @@
         <p:spPr/>
         <p:txBody>
           <a:bodyPr/>
-          <a:lstStyle/>
-          <a:p>
+          <a:lstStyle>
+            <a:lvl1pPr>
+              <a:defRPr/>
+            </a:lvl1pPr>
+          </a:lstStyle>
+          <a:p>
+            <a:pPr>
+              <a:defRPr/>
+            </a:pPr>
             <a:endParaRPr lang="en-US"/>
           </a:p>
         </p:txBody>
       </p:sp>
       <p:sp>
         <p:nvSpPr>
-          <p:cNvPr id="4" name="Slide Number Placeholder 3"/>
+          <p:cNvPr id="4" name="Slide Number Placeholder 5"/>
           <p:cNvSpPr>
             <a:spLocks noGrp="1"/>
           </p:cNvSpPr>
@@ -3127,11 +3780,20 @@
         <p:spPr/>
         <p:txBody>
           <a:bodyPr/>
-          <a:lstStyle/>
-          <a:p>
-            <a:fld id="{B6F15528-21DE-4FAA-801E-634DDDAF4B2B}" type="slidenum">
-              <a:rPr lang="en-US" smtClean="0"/>
-              <a:pPr/>
+          <a:lstStyle>
+            <a:lvl1pPr>
+              <a:defRPr/>
+            </a:lvl1pPr>
+          </a:lstStyle>
+          <a:p>
+            <a:pPr>
+              <a:defRPr/>
+            </a:pPr>
+            <a:fld id="{D7EFC992-D5BA-426F-B059-82C92B801137}" type="slidenum">
+              <a:rPr lang="en-US"/>
+              <a:pPr>
+                <a:defRPr/>
+              </a:pPr>
               <a:t>‹#›</a:t>
             </a:fld>
             <a:endParaRPr lang="en-US"/>
@@ -3347,7 +4009,7 @@
       </p:sp>
       <p:sp>
         <p:nvSpPr>
-          <p:cNvPr id="5" name="Date Placeholder 4"/>
+          <p:cNvPr id="5" name="Date Placeholder 3"/>
           <p:cNvSpPr>
             <a:spLocks noGrp="1"/>
           </p:cNvSpPr>
@@ -3358,12 +4020,21 @@
         <p:spPr/>
         <p:txBody>
           <a:bodyPr/>
-          <a:lstStyle/>
-          <a:p>
-            <a:fld id="{1D8BD707-D9CF-40AE-B4C6-C98DA3205C09}" type="datetimeFigureOut">
-              <a:rPr lang="en-US" smtClean="0"/>
-              <a:pPr/>
-              <a:t>2/4/2009</a:t>
+          <a:lstStyle>
+            <a:lvl1pPr>
+              <a:defRPr/>
+            </a:lvl1pPr>
+          </a:lstStyle>
+          <a:p>
+            <a:pPr>
+              <a:defRPr/>
+            </a:pPr>
+            <a:fld id="{7B54C3B4-49A2-4B54-A0E4-D3340481C388}" type="datetimeFigureOut">
+              <a:rPr lang="en-US"/>
+              <a:pPr>
+                <a:defRPr/>
+              </a:pPr>
+              <a:t>2/22/2009</a:t>
             </a:fld>
             <a:endParaRPr lang="en-US"/>
           </a:p>
@@ -3371,7 +4042,7 @@
       </p:sp>
       <p:sp>
         <p:nvSpPr>
-          <p:cNvPr id="6" name="Footer Placeholder 5"/>
+          <p:cNvPr id="6" name="Footer Placeholder 4"/>
           <p:cNvSpPr>
             <a:spLocks noGrp="1"/>
           </p:cNvSpPr>
@@ -3382,15 +4053,22 @@
         <p:spPr/>
         <p:txBody>
           <a:bodyPr/>
-          <a:lstStyle/>
-          <a:p>
+          <a:lstStyle>
+            <a:lvl1pPr>
+              <a:defRPr/>
+            </a:lvl1pPr>
+          </a:lstStyle>
+          <a:p>
+            <a:pPr>
+              <a:defRPr/>
+            </a:pPr>
             <a:endParaRPr lang="en-US"/>
           </a:p>
         </p:txBody>
       </p:sp>
       <p:sp>
         <p:nvSpPr>
-          <p:cNvPr id="7" name="Slide Number Placeholder 6"/>
+          <p:cNvPr id="7" name="Slide Number Placeholder 5"/>
           <p:cNvSpPr>
             <a:spLocks noGrp="1"/>
           </p:cNvSpPr>
@@ -3401,11 +4079,20 @@
         <p:spPr/>
         <p:txBody>
           <a:bodyPr/>
-          <a:lstStyle/>
-          <a:p>
-            <a:fld id="{B6F15528-21DE-4FAA-801E-634DDDAF4B2B}" type="slidenum">
-              <a:rPr lang="en-US" smtClean="0"/>
-              <a:pPr/>
+          <a:lstStyle>
+            <a:lvl1pPr>
+              <a:defRPr/>
+            </a:lvl1pPr>
+          </a:lstStyle>
+          <a:p>
+            <a:pPr>
+              <a:defRPr/>
+            </a:pPr>
+            <a:fld id="{284BC248-BA6C-4388-9C5C-411D87D56806}" type="slidenum">
+              <a:rPr lang="en-US"/>
+              <a:pPr>
+                <a:defRPr/>
+              </a:pPr>
               <a:t>‹#›</a:t>
             </a:fld>
             <a:endParaRPr lang="en-US"/>
@@ -3486,7 +4173,9 @@
           </a:xfrm>
         </p:spPr>
         <p:txBody>
-          <a:bodyPr/>
+          <a:bodyPr rtlCol="0">
+            <a:normAutofit/>
+          </a:bodyPr>
           <a:lstStyle>
             <a:lvl1pPr marL="0" indent="0">
               <a:buNone/>
@@ -3526,7 +4215,8 @@
             </a:lvl9pPr>
           </a:lstStyle>
           <a:p>
-            <a:endParaRPr lang="en-US"/>
+            <a:pPr lvl="0"/>
+            <a:endParaRPr lang="en-US" noProof="0"/>
           </a:p>
         </p:txBody>
       </p:sp>
@@ -3597,7 +4287,7 @@
       </p:sp>
       <p:sp>
         <p:nvSpPr>
-          <p:cNvPr id="5" name="Date Placeholder 4"/>
+          <p:cNvPr id="5" name="Date Placeholder 3"/>
           <p:cNvSpPr>
             <a:spLocks noGrp="1"/>
           </p:cNvSpPr>
@@ -3608,12 +4298,21 @@
         <p:spPr/>
         <p:txBody>
           <a:bodyPr/>
-          <a:lstStyle/>
-          <a:p>
-            <a:fld id="{1D8BD707-D9CF-40AE-B4C6-C98DA3205C09}" type="datetimeFigureOut">
-              <a:rPr lang="en-US" smtClean="0"/>
-              <a:pPr/>
-              <a:t>2/4/2009</a:t>
+          <a:lstStyle>
+            <a:lvl1pPr>
+              <a:defRPr/>
+            </a:lvl1pPr>
+          </a:lstStyle>
+          <a:p>
+            <a:pPr>
+              <a:defRPr/>
+            </a:pPr>
+            <a:fld id="{5EF87AAF-8D5F-44B0-B938-FDDCDC2CB806}" type="datetimeFigureOut">
+              <a:rPr lang="en-US"/>
+              <a:pPr>
+                <a:defRPr/>
+              </a:pPr>
+              <a:t>2/22/2009</a:t>
             </a:fld>
             <a:endParaRPr lang="en-US"/>
           </a:p>
@@ -3621,7 +4320,7 @@
       </p:sp>
       <p:sp>
         <p:nvSpPr>
-          <p:cNvPr id="6" name="Footer Placeholder 5"/>
+          <p:cNvPr id="6" name="Footer Placeholder 4"/>
           <p:cNvSpPr>
             <a:spLocks noGrp="1"/>
           </p:cNvSpPr>
@@ -3632,15 +4331,22 @@
         <p:spPr/>
         <p:txBody>
           <a:bodyPr/>
-          <a:lstStyle/>
-          <a:p>
+          <a:lstStyle>
+            <a:lvl1pPr>
+              <a:defRPr/>
+            </a:lvl1pPr>
+          </a:lstStyle>
+          <a:p>
+            <a:pPr>
+              <a:defRPr/>
+            </a:pPr>
             <a:endParaRPr lang="en-US"/>
           </a:p>
         </p:txBody>
       </p:sp>
       <p:sp>
         <p:nvSpPr>
-          <p:cNvPr id="7" name="Slide Number Placeholder 6"/>
+          <p:cNvPr id="7" name="Slide Number Placeholder 5"/>
           <p:cNvSpPr>
             <a:spLocks noGrp="1"/>
           </p:cNvSpPr>
@@ -3651,11 +4357,20 @@
         <p:spPr/>
         <p:txBody>
           <a:bodyPr/>
-          <a:lstStyle/>
-          <a:p>
-            <a:fld id="{B6F15528-21DE-4FAA-801E-634DDDAF4B2B}" type="slidenum">
-              <a:rPr lang="en-US" smtClean="0"/>
-              <a:pPr/>
+          <a:lstStyle>
+            <a:lvl1pPr>
+              <a:defRPr/>
+            </a:lvl1pPr>
+          </a:lstStyle>
+          <a:p>
+            <a:pPr>
+              <a:defRPr/>
+            </a:pPr>
+            <a:fld id="{F50C7526-2E8A-49D7-A1EA-4CB949B58FD3}" type="slidenum">
+              <a:rPr lang="en-US"/>
+              <a:pPr>
+                <a:defRPr/>
+              </a:pPr>
               <a:t>‹#›</a:t>
             </a:fld>
             <a:endParaRPr lang="en-US"/>
@@ -3694,7 +4409,7 @@
       </p:grpSpPr>
       <p:sp>
         <p:nvSpPr>
-          <p:cNvPr id="2" name="Title Placeholder 1"/>
+          <p:cNvPr id="1026" name="Title Placeholder 1"/>
           <p:cNvSpPr>
             <a:spLocks noGrp="1"/>
           </p:cNvSpPr>
@@ -3702,7 +4417,7 @@
             <p:ph type="title"/>
           </p:nvPr>
         </p:nvSpPr>
-        <p:spPr>
+        <p:spPr bwMode="auto">
           <a:xfrm>
             <a:off x="457200" y="274638"/>
             <a:ext cx="8229600" cy="1143000"/>
@@ -3710,24 +4425,33 @@
           <a:prstGeom prst="rect">
             <a:avLst/>
           </a:prstGeom>
+          <a:noFill/>
+          <a:ln w="9525">
+            <a:noFill/>
+            <a:miter lim="800000"/>
+            <a:headEnd/>
+            <a:tailEnd/>
+          </a:ln>
         </p:spPr>
         <p:txBody>
-          <a:bodyPr vert="horz" lIns="91440" tIns="45720" rIns="91440" bIns="45720" rtlCol="0" anchor="ctr">
-            <a:normAutofit/>
+          <a:bodyPr vert="horz" wrap="square" lIns="91440" tIns="45720" rIns="91440" bIns="45720" numCol="1" anchor="ctr" anchorCtr="0" compatLnSpc="1">
+            <a:prstTxWarp prst="textNoShape">
+              <a:avLst/>
+            </a:prstTxWarp>
           </a:bodyPr>
           <a:lstStyle/>
           <a:p>
+            <a:pPr lvl="0"/>
             <a:r>
               <a:rPr lang="en-US" smtClean="0"/>
               <a:t>Click to edit Master title style</a:t>
             </a:r>
-            <a:endParaRPr lang="en-US"/>
-          </a:p>
-        </p:txBody>
-      </p:sp>
-      <p:sp>
-        <p:nvSpPr>
-          <p:cNvPr id="3" name="Text Placeholder 2"/>
+          </a:p>
+        </p:txBody>
+      </p:sp>
+      <p:sp>
+        <p:nvSpPr>
+          <p:cNvPr id="1027" name="Text Placeholder 2"/>
           <p:cNvSpPr>
             <a:spLocks noGrp="1"/>
           </p:cNvSpPr>
@@ -3735,7 +4459,7 @@
             <p:ph type="body" idx="1"/>
           </p:nvPr>
         </p:nvSpPr>
-        <p:spPr>
+        <p:spPr bwMode="auto">
           <a:xfrm>
             <a:off x="457200" y="1600200"/>
             <a:ext cx="8229600" cy="4525963"/>
@@ -3743,10 +4467,19 @@
           <a:prstGeom prst="rect">
             <a:avLst/>
           </a:prstGeom>
+          <a:noFill/>
+          <a:ln w="9525">
+            <a:noFill/>
+            <a:miter lim="800000"/>
+            <a:headEnd/>
+            <a:tailEnd/>
+          </a:ln>
         </p:spPr>
         <p:txBody>
-          <a:bodyPr vert="horz" lIns="91440" tIns="45720" rIns="91440" bIns="45720" rtlCol="0">
-            <a:normAutofit/>
+          <a:bodyPr vert="horz" wrap="square" lIns="91440" tIns="45720" rIns="91440" bIns="45720" numCol="1" anchor="t" anchorCtr="0" compatLnSpc="1">
+            <a:prstTxWarp prst="textNoShape">
+              <a:avLst/>
+            </a:prstTxWarp>
           </a:bodyPr>
           <a:lstStyle/>
           <a:p>
@@ -3783,7 +4516,6 @@
               <a:rPr lang="en-US" smtClean="0"/>
               <a:t>Fifth level</a:t>
             </a:r>
-            <a:endParaRPr lang="en-US"/>
           </a:p>
         </p:txBody>
       </p:sp>
@@ -3809,21 +4541,33 @@
         <p:txBody>
           <a:bodyPr vert="horz" lIns="91440" tIns="45720" rIns="91440" bIns="45720" rtlCol="0" anchor="ctr"/>
           <a:lstStyle>
-            <a:lvl1pPr algn="l">
-              <a:defRPr sz="1200">
+            <a:lvl1pPr algn="l" fontAlgn="auto">
+              <a:spcBef>
+                <a:spcPts val="0"/>
+              </a:spcBef>
+              <a:spcAft>
+                <a:spcPts val="0"/>
+              </a:spcAft>
+              <a:defRPr sz="1200" smtClean="0">
                 <a:solidFill>
                   <a:schemeClr val="tx1">
                     <a:tint val="75000"/>
                   </a:schemeClr>
                 </a:solidFill>
+                <a:latin typeface="+mn-lt"/>
               </a:defRPr>
             </a:lvl1pPr>
           </a:lstStyle>
           <a:p>
-            <a:fld id="{1D8BD707-D9CF-40AE-B4C6-C98DA3205C09}" type="datetimeFigureOut">
-              <a:rPr lang="en-US" smtClean="0"/>
-              <a:pPr/>
-              <a:t>2/4/2009</a:t>
+            <a:pPr>
+              <a:defRPr/>
+            </a:pPr>
+            <a:fld id="{C3600DDA-FEFE-470A-9ABE-562295CB4096}" type="datetimeFigureOut">
+              <a:rPr lang="en-US"/>
+              <a:pPr>
+                <a:defRPr/>
+              </a:pPr>
+              <a:t>2/22/2009</a:t>
             </a:fld>
             <a:endParaRPr lang="en-US"/>
           </a:p>
@@ -3851,17 +4595,27 @@
         <p:txBody>
           <a:bodyPr vert="horz" lIns="91440" tIns="45720" rIns="91440" bIns="45720" rtlCol="0" anchor="ctr"/>
           <a:lstStyle>
-            <a:lvl1pPr algn="ctr">
+            <a:lvl1pPr algn="ctr" fontAlgn="auto">
+              <a:spcBef>
+                <a:spcPts val="0"/>
+              </a:spcBef>
+              <a:spcAft>
+                <a:spcPts val="0"/>
+              </a:spcAft>
               <a:defRPr sz="1200">
                 <a:solidFill>
                   <a:schemeClr val="tx1">
                     <a:tint val="75000"/>
                   </a:schemeClr>
                 </a:solidFill>
+                <a:latin typeface="+mn-lt"/>
               </a:defRPr>
             </a:lvl1pPr>
           </a:lstStyle>
           <a:p>
+            <a:pPr>
+              <a:defRPr/>
+            </a:pPr>
             <a:endParaRPr lang="en-US"/>
           </a:p>
         </p:txBody>
@@ -3888,20 +4642,32 @@
         <p:txBody>
           <a:bodyPr vert="horz" lIns="91440" tIns="45720" rIns="91440" bIns="45720" rtlCol="0" anchor="ctr"/>
           <a:lstStyle>
-            <a:lvl1pPr algn="r">
-              <a:defRPr sz="1200">
+            <a:lvl1pPr algn="r" fontAlgn="auto">
+              <a:spcBef>
+                <a:spcPts val="0"/>
+              </a:spcBef>
+              <a:spcAft>
+                <a:spcPts val="0"/>
+              </a:spcAft>
+              <a:defRPr sz="1200" smtClean="0">
                 <a:solidFill>
                   <a:schemeClr val="tx1">
                     <a:tint val="75000"/>
                   </a:schemeClr>
                 </a:solidFill>
+                <a:latin typeface="+mn-lt"/>
               </a:defRPr>
             </a:lvl1pPr>
           </a:lstStyle>
           <a:p>
-            <a:fld id="{B6F15528-21DE-4FAA-801E-634DDDAF4B2B}" type="slidenum">
-              <a:rPr lang="en-US" smtClean="0"/>
-              <a:pPr/>
+            <a:pPr>
+              <a:defRPr/>
+            </a:pPr>
+            <a:fld id="{0BE42EBF-757C-4011-BFCE-2C69B02E4055}" type="slidenum">
+              <a:rPr lang="en-US"/>
+              <a:pPr>
+                <a:defRPr/>
+              </a:pPr>
               <a:t>‹#›</a:t>
             </a:fld>
             <a:endParaRPr lang="en-US"/>
@@ -3926,11 +4692,13 @@
   </p:sldLayoutIdLst>
   <p:txStyles>
     <p:titleStyle>
-      <a:lvl1pPr algn="ctr" defTabSz="914400" rtl="0" eaLnBrk="1" latinLnBrk="0" hangingPunct="1">
+      <a:lvl1pPr algn="ctr" rtl="0" fontAlgn="base">
         <a:spcBef>
           <a:spcPct val="0"/>
         </a:spcBef>
-        <a:buNone/>
+        <a:spcAft>
+          <a:spcPct val="0"/>
+        </a:spcAft>
         <a:defRPr sz="4400" kern="1200">
           <a:solidFill>
             <a:schemeClr val="tx1"/>
@@ -3940,13 +4708,128 @@
           <a:cs typeface="+mj-cs"/>
         </a:defRPr>
       </a:lvl1pPr>
+      <a:lvl2pPr algn="ctr" rtl="0" fontAlgn="base">
+        <a:spcBef>
+          <a:spcPct val="0"/>
+        </a:spcBef>
+        <a:spcAft>
+          <a:spcPct val="0"/>
+        </a:spcAft>
+        <a:defRPr sz="4400">
+          <a:solidFill>
+            <a:schemeClr val="tx1"/>
+          </a:solidFill>
+          <a:latin typeface="Calibri"/>
+        </a:defRPr>
+      </a:lvl2pPr>
+      <a:lvl3pPr algn="ctr" rtl="0" fontAlgn="base">
+        <a:spcBef>
+          <a:spcPct val="0"/>
+        </a:spcBef>
+        <a:spcAft>
+          <a:spcPct val="0"/>
+        </a:spcAft>
+        <a:defRPr sz="4400">
+          <a:solidFill>
+            <a:schemeClr val="tx1"/>
+          </a:solidFill>
+          <a:latin typeface="Calibri"/>
+        </a:defRPr>
+      </a:lvl3pPr>
+      <a:lvl4pPr algn="ctr" rtl="0" fontAlgn="base">
+        <a:spcBef>
+          <a:spcPct val="0"/>
+        </a:spcBef>
+        <a:spcAft>
+          <a:spcPct val="0"/>
+        </a:spcAft>
+        <a:defRPr sz="4400">
+          <a:solidFill>
+            <a:schemeClr val="tx1"/>
+          </a:solidFill>
+          <a:latin typeface="Calibri"/>
+        </a:defRPr>
+      </a:lvl4pPr>
+      <a:lvl5pPr algn="ctr" rtl="0" fontAlgn="base">
+        <a:spcBef>
+          <a:spcPct val="0"/>
+        </a:spcBef>
+        <a:spcAft>
+          <a:spcPct val="0"/>
+        </a:spcAft>
+        <a:defRPr sz="4400">
+          <a:solidFill>
+            <a:schemeClr val="tx1"/>
+          </a:solidFill>
+          <a:latin typeface="Calibri"/>
+        </a:defRPr>
+      </a:lvl5pPr>
+      <a:lvl6pPr marL="457200" algn="ctr" rtl="0" fontAlgn="base">
+        <a:spcBef>
+          <a:spcPct val="0"/>
+        </a:spcBef>
+        <a:spcAft>
+          <a:spcPct val="0"/>
+        </a:spcAft>
+        <a:defRPr sz="4400">
+          <a:solidFill>
+            <a:schemeClr val="tx1"/>
+          </a:solidFill>
+          <a:latin typeface="Calibri"/>
+        </a:defRPr>
+      </a:lvl6pPr>
+      <a:lvl7pPr marL="914400" algn="ctr" rtl="0" fontAlgn="base">
+        <a:spcBef>
+          <a:spcPct val="0"/>
+        </a:spcBef>
+        <a:spcAft>
+          <a:spcPct val="0"/>
+        </a:spcAft>
+        <a:defRPr sz="4400">
+          <a:solidFill>
+            <a:schemeClr val="tx1"/>
+          </a:solidFill>
+          <a:latin typeface="Calibri"/>
+        </a:defRPr>
+      </a:lvl7pPr>
+      <a:lvl8pPr marL="1371600" algn="ctr" rtl="0" fontAlgn="base">
+        <a:spcBef>
+          <a:spcPct val="0"/>
+        </a:spcBef>
+        <a:spcAft>
+          <a:spcPct val="0"/>
+        </a:spcAft>
+        <a:defRPr sz="4400">
+          <a:solidFill>
+            <a:schemeClr val="tx1"/>
+          </a:solidFill>
+          <a:latin typeface="Calibri"/>
+        </a:defRPr>
+      </a:lvl8pPr>
+      <a:lvl9pPr marL="1828800" algn="ctr" rtl="0" fontAlgn="base">
+        <a:spcBef>
+          <a:spcPct val="0"/>
+        </a:spcBef>
+        <a:spcAft>
+          <a:spcPct val="0"/>
+        </a:spcAft>
+        <a:defRPr sz="4400">
+          <a:solidFill>
+            <a:schemeClr val="tx1"/>
+          </a:solidFill>
+          <a:latin typeface="Calibri"/>
+        </a:defRPr>
+      </a:lvl9pPr>
     </p:titleStyle>
     <p:bodyStyle>
-      <a:lvl1pPr marL="342900" indent="-342900" algn="l" defTabSz="914400" rtl="0" eaLnBrk="1" latinLnBrk="0" hangingPunct="1">
+      <a:lvl1pPr marL="342900" indent="-342900" algn="l" rtl="0" fontAlgn="base">
         <a:spcBef>
           <a:spcPct val="20000"/>
         </a:spcBef>
-        <a:buFont typeface="Arial" pitchFamily="34" charset="0"/>
+        <a:spcAft>
+          <a:spcPct val="0"/>
+        </a:spcAft>
+        <a:buFont typeface="Arial" charset="0"/>
         <a:buChar char="•"/>
         <a:defRPr sz="3200" kern="1200">
           <a:solidFill>
@@ -3957,11 +4840,14 @@
           <a:cs typeface="+mn-cs"/>
         </a:defRPr>
       </a:lvl1pPr>
-      <a:lvl2pPr marL="742950" indent="-285750" algn="l" defTabSz="914400" rtl="0" eaLnBrk="1" latinLnBrk="0" hangingPunct="1">
+      <a:lvl2pPr marL="742950" indent="-285750" algn="l" rtl="0" fontAlgn="base">
         <a:spcBef>
           <a:spcPct val="20000"/>
         </a:spcBef>
-        <a:buFont typeface="Arial" pitchFamily="34" charset="0"/>
+        <a:spcAft>
+          <a:spcPct val="0"/>
+        </a:spcAft>
+        <a:buFont typeface="Arial" charset="0"/>
         <a:buChar char="–"/>
         <a:defRPr sz="2800" kern="1200">
           <a:solidFill>
@@ -3972,11 +4858,14 @@
           <a:cs typeface="+mn-cs"/>
         </a:defRPr>
       </a:lvl2pPr>
-      <a:lvl3pPr marL="1143000" indent="-228600" algn="l" defTabSz="914400" rtl="0" eaLnBrk="1" latinLnBrk="0" hangingPunct="1">
+      <a:lvl3pPr marL="1143000" indent="-228600" algn="l" rtl="0" fontAlgn="base">
         <a:spcBef>
           <a:spcPct val="20000"/>
         </a:spcBef>
-        <a:buFont typeface="Arial" pitchFamily="34" charset="0"/>
+        <a:spcAft>
+          <a:spcPct val="0"/>
+        </a:spcAft>
+        <a:buFont typeface="Arial" charset="0"/>
         <a:buChar char="•"/>
         <a:defRPr sz="2400" kern="1200">
           <a:solidFill>
@@ -3987,11 +4876,14 @@
           <a:cs typeface="+mn-cs"/>
         </a:defRPr>
       </a:lvl3pPr>
-      <a:lvl4pPr marL="1600200" indent="-228600" algn="l" defTabSz="914400" rtl="0" eaLnBrk="1" latinLnBrk="0" hangingPunct="1">
+      <a:lvl4pPr marL="1600200" indent="-228600" algn="l" rtl="0" fontAlgn="base">
         <a:spcBef>
           <a:spcPct val="20000"/>
         </a:spcBef>
-        <a:buFont typeface="Arial" pitchFamily="34" charset="0"/>
+        <a:spcAft>
+          <a:spcPct val="0"/>
+        </a:spcAft>
+        <a:buFont typeface="Arial" charset="0"/>
         <a:buChar char="–"/>
         <a:defRPr sz="2000" kern="1200">
           <a:solidFill>
@@ -4002,11 +4894,14 @@
           <a:cs typeface="+mn-cs"/>
         </a:defRPr>
       </a:lvl4pPr>
-      <a:lvl5pPr marL="2057400" indent="-228600" algn="l" defTabSz="914400" rtl="0" eaLnBrk="1" latinLnBrk="0" hangingPunct="1">
+      <a:lvl5pPr marL="2057400" indent="-228600" algn="l" rtl="0" fontAlgn="base">
         <a:spcBef>
           <a:spcPct val="20000"/>
         </a:spcBef>
-        <a:buFont typeface="Arial" pitchFamily="34" charset="0"/>
+        <a:spcAft>
+          <a:spcPct val="0"/>
+        </a:spcAft>
+        <a:buFont typeface="Arial" charset="0"/>
         <a:buChar char="»"/>
         <a:defRPr sz="2000" kern="1200">
           <a:solidFill>
@@ -4196,7 +5091,7 @@
       </p:grpSpPr>
       <p:sp>
         <p:nvSpPr>
-          <p:cNvPr id="90114" name="Rectangle 2"/>
+          <p:cNvPr id="14337" name="Rectangle 2"/>
           <p:cNvSpPr>
             <a:spLocks noGrp="1" noChangeArrowheads="1"/>
           </p:cNvSpPr>
@@ -4209,7 +5104,6 @@
           <a:bodyPr/>
           <a:lstStyle/>
           <a:p>
-            <a:pPr eaLnBrk="1" hangingPunct="1"/>
             <a:r>
               <a:rPr lang="tr-TR" smtClean="0"/>
               <a:t>References</a:t>
@@ -4219,7 +5113,7 @@
       </p:sp>
       <p:sp>
         <p:nvSpPr>
-          <p:cNvPr id="90115" name="Rectangle 3"/>
+          <p:cNvPr id="14338" name="Rectangle 3"/>
           <p:cNvSpPr>
             <a:spLocks noGrp="1" noChangeArrowheads="1"/>
           </p:cNvSpPr>
@@ -4232,7 +5126,6 @@
           <a:bodyPr/>
           <a:lstStyle/>
           <a:p>
-            <a:pPr eaLnBrk="1" hangingPunct="1"/>
             <a:r>
               <a:rPr lang="tr-TR" sz="1500" smtClean="0"/>
               <a:t>[1] </a:t>
@@ -4246,7 +5139,6 @@
             <a:endParaRPr lang="tr-TR" sz="1500" smtClean="0"/>
           </a:p>
           <a:p>
-            <a:pPr eaLnBrk="1" hangingPunct="1"/>
             <a:r>
               <a:rPr lang="tr-TR" sz="1500" smtClean="0"/>
               <a:t>[2] </a:t>
@@ -4263,7 +5155,6 @@
             </a:r>
           </a:p>
           <a:p>
-            <a:pPr eaLnBrk="1" hangingPunct="1"/>
             <a:r>
               <a:rPr lang="tr-TR" sz="1500" smtClean="0"/>
               <a:t>[3] </a:t>
@@ -4277,7 +5168,6 @@
             <a:endParaRPr lang="tr-TR" sz="1500" smtClean="0"/>
           </a:p>
           <a:p>
-            <a:pPr eaLnBrk="1" hangingPunct="1"/>
             <a:r>
               <a:rPr lang="tr-TR" sz="1500" smtClean="0"/>
               <a:t>[4] </a:t>
@@ -4291,7 +5181,6 @@
             <a:endParaRPr lang="tr-TR" sz="1500" smtClean="0"/>
           </a:p>
           <a:p>
-            <a:pPr eaLnBrk="1" hangingPunct="1"/>
             <a:r>
               <a:rPr lang="tr-TR" sz="1500" smtClean="0"/>
               <a:t>[5] </a:t>
@@ -4305,7 +5194,6 @@
             <a:endParaRPr lang="tr-TR" sz="1500" smtClean="0"/>
           </a:p>
           <a:p>
-            <a:pPr eaLnBrk="1" hangingPunct="1"/>
             <a:r>
               <a:rPr lang="tr-TR" sz="1500" smtClean="0"/>
               <a:t>[6] </a:t>
@@ -4345,7 +5233,28 @@
             <a:endParaRPr lang="tr-TR" sz="1500" smtClean="0"/>
           </a:p>
           <a:p>
-            <a:pPr eaLnBrk="1" hangingPunct="1"/>
+            <a:r>
+              <a:rPr lang="tr-TR" sz="1500" smtClean="0"/>
+              <a:t>[9] </a:t>
+            </a:r>
+            <a:r>
+              <a:rPr lang="tr-TR" sz="1500" smtClean="0">
+                <a:hlinkClick r:id="rId8" action="ppaction://hlinkpres?slideindex=1&amp;slidetitle="/>
+              </a:rPr>
+              <a:t>kaynak\Ian Horrocks - CS646\</a:t>
+            </a:r>
+            <a:r>
+              <a:rPr lang="tr-TR" sz="1400" smtClean="0">
+                <a:hlinkClick r:id="rId8" action="ppaction://hlinkpres?slideindex=1&amp;slidetitle="/>
+              </a:rPr>
+              <a:t>1introduction.ppt</a:t>
+            </a:r>
+            <a:endParaRPr lang="tr-TR" sz="1400" smtClean="0"/>
+          </a:p>
+          <a:p>
+            <a:endParaRPr lang="tr-TR" sz="1500" smtClean="0"/>
+          </a:p>
+          <a:p>
             <a:endParaRPr lang="tr-TR" sz="1500" smtClean="0"/>
           </a:p>
         </p:txBody>
@@ -4384,7 +5293,7 @@
       </p:grpSpPr>
       <p:sp>
         <p:nvSpPr>
-          <p:cNvPr id="91138" name="Rectangle 2"/>
+          <p:cNvPr id="15361" name="Rectangle 2"/>
           <p:cNvSpPr>
             <a:spLocks noGrp="1" noChangeArrowheads="1"/>
           </p:cNvSpPr>
@@ -4402,7 +5311,7 @@
           <a:bodyPr/>
           <a:lstStyle/>
           <a:p>
-            <a:pPr eaLnBrk="1" hangingPunct="1">
+            <a:pPr>
               <a:lnSpc>
                 <a:spcPct val="80000"/>
               </a:lnSpc>
@@ -4413,7 +5322,7 @@
             </a:r>
           </a:p>
           <a:p>
-            <a:pPr lvl="1" eaLnBrk="1" hangingPunct="1">
+            <a:pPr lvl="1">
               <a:lnSpc>
                 <a:spcPct val="80000"/>
               </a:lnSpc>
@@ -4432,7 +5341,7 @@
             </a:r>
           </a:p>
           <a:p>
-            <a:pPr lvl="1" eaLnBrk="1" hangingPunct="1">
+            <a:pPr lvl="1">
               <a:lnSpc>
                 <a:spcPct val="80000"/>
               </a:lnSpc>
@@ -4451,7 +5360,7 @@
             </a:r>
           </a:p>
           <a:p>
-            <a:pPr lvl="1" eaLnBrk="1" hangingPunct="1">
+            <a:pPr lvl="1">
               <a:lnSpc>
                 <a:spcPct val="80000"/>
               </a:lnSpc>
@@ -4473,7 +5382,7 @@
             </a:r>
           </a:p>
           <a:p>
-            <a:pPr eaLnBrk="1" hangingPunct="1">
+            <a:pPr>
               <a:lnSpc>
                 <a:spcPct val="80000"/>
               </a:lnSpc>
@@ -4484,7 +5393,7 @@
             </a:r>
           </a:p>
           <a:p>
-            <a:pPr lvl="1" eaLnBrk="1" hangingPunct="1">
+            <a:pPr lvl="1">
               <a:lnSpc>
                 <a:spcPct val="80000"/>
               </a:lnSpc>
@@ -4514,7 +5423,7 @@
             </a:r>
           </a:p>
           <a:p>
-            <a:pPr lvl="1" eaLnBrk="1" hangingPunct="1">
+            <a:pPr lvl="1">
               <a:lnSpc>
                 <a:spcPct val="80000"/>
               </a:lnSpc>
@@ -4537,7 +5446,7 @@
             </a:r>
           </a:p>
           <a:p>
-            <a:pPr eaLnBrk="1" hangingPunct="1">
+            <a:pPr>
               <a:lnSpc>
                 <a:spcPct val="80000"/>
               </a:lnSpc>
@@ -4548,7 +5457,7 @@
             </a:r>
           </a:p>
           <a:p>
-            <a:pPr lvl="1" eaLnBrk="1" hangingPunct="1">
+            <a:pPr lvl="1">
               <a:lnSpc>
                 <a:spcPct val="80000"/>
               </a:lnSpc>
@@ -4573,7 +5482,7 @@
             </a:r>
           </a:p>
           <a:p>
-            <a:pPr lvl="1" eaLnBrk="1" hangingPunct="1">
+            <a:pPr lvl="1">
               <a:lnSpc>
                 <a:spcPct val="80000"/>
               </a:lnSpc>
@@ -4584,7 +5493,7 @@
       </p:sp>
       <p:sp>
         <p:nvSpPr>
-          <p:cNvPr id="91139" name="Rectangle 3"/>
+          <p:cNvPr id="15362" name="Rectangle 3"/>
           <p:cNvSpPr>
             <a:spLocks noGrp="1" noChangeArrowheads="1"/>
           </p:cNvSpPr>
@@ -4602,7 +5511,6 @@
           <a:bodyPr/>
           <a:lstStyle/>
           <a:p>
-            <a:pPr eaLnBrk="1" hangingPunct="1"/>
             <a:r>
               <a:rPr lang="en-US" smtClean="0"/>
               <a:t>Resources</a:t>
@@ -4644,7 +5552,7 @@
       </p:grpSpPr>
       <p:sp>
         <p:nvSpPr>
-          <p:cNvPr id="92162" name="Rectangle 2"/>
+          <p:cNvPr id="17409" name="Rectangle 2"/>
           <p:cNvSpPr>
             <a:spLocks noGrp="1" noChangeArrowheads="1"/>
           </p:cNvSpPr>
@@ -4657,7 +5565,6 @@
           <a:bodyPr/>
           <a:lstStyle/>
           <a:p>
-            <a:pPr eaLnBrk="1" hangingPunct="1"/>
             <a:r>
               <a:rPr lang="tr-TR" smtClean="0"/>
               <a:t>A-Boxes &amp; T-Boxes</a:t>
@@ -4667,7 +5574,7 @@
       </p:sp>
       <p:sp>
         <p:nvSpPr>
-          <p:cNvPr id="92163" name="Rectangle 3"/>
+          <p:cNvPr id="17410" name="Rectangle 3"/>
           <p:cNvSpPr>
             <a:spLocks noGrp="1" noChangeArrowheads="1"/>
           </p:cNvSpPr>
@@ -4680,7 +5587,7 @@
           <a:bodyPr/>
           <a:lstStyle/>
           <a:p>
-            <a:pPr lvl="1" eaLnBrk="1" hangingPunct="1">
+            <a:pPr lvl="1">
               <a:lnSpc>
                 <a:spcPct val="80000"/>
               </a:lnSpc>
@@ -4692,7 +5599,7 @@
             <a:endParaRPr lang="tr-TR" sz="1800" smtClean="0"/>
           </a:p>
           <a:p>
-            <a:pPr lvl="1" eaLnBrk="1" hangingPunct="1">
+            <a:pPr lvl="1">
               <a:lnSpc>
                 <a:spcPct val="80000"/>
               </a:lnSpc>
@@ -4703,7 +5610,7 @@
             </a:r>
           </a:p>
           <a:p>
-            <a:pPr eaLnBrk="1" hangingPunct="1">
+            <a:pPr>
               <a:lnSpc>
                 <a:spcPct val="80000"/>
               </a:lnSpc>
@@ -4711,7 +5618,7 @@
             <a:endParaRPr lang="tr-TR" sz="2000" smtClean="0"/>
           </a:p>
           <a:p>
-            <a:pPr eaLnBrk="1" hangingPunct="1">
+            <a:pPr>
               <a:lnSpc>
                 <a:spcPct val="80000"/>
               </a:lnSpc>
@@ -4719,7 +5626,7 @@
             <a:endParaRPr lang="tr-TR" sz="2000" smtClean="0"/>
           </a:p>
           <a:p>
-            <a:pPr eaLnBrk="1" hangingPunct="1">
+            <a:pPr>
               <a:lnSpc>
                 <a:spcPct val="80000"/>
               </a:lnSpc>
@@ -4727,7 +5634,7 @@
             <a:endParaRPr lang="tr-TR" sz="2000" smtClean="0"/>
           </a:p>
           <a:p>
-            <a:pPr eaLnBrk="1" hangingPunct="1">
+            <a:pPr>
               <a:lnSpc>
                 <a:spcPct val="80000"/>
               </a:lnSpc>
@@ -4735,7 +5642,7 @@
             <a:endParaRPr lang="tr-TR" sz="2000" smtClean="0"/>
           </a:p>
           <a:p>
-            <a:pPr eaLnBrk="1" hangingPunct="1">
+            <a:pPr>
               <a:lnSpc>
                 <a:spcPct val="80000"/>
               </a:lnSpc>
@@ -4743,7 +5650,7 @@
             <a:endParaRPr lang="tr-TR" sz="2000" smtClean="0"/>
           </a:p>
           <a:p>
-            <a:pPr eaLnBrk="1" hangingPunct="1">
+            <a:pPr>
               <a:lnSpc>
                 <a:spcPct val="80000"/>
               </a:lnSpc>
@@ -4751,7 +5658,7 @@
             <a:endParaRPr lang="tr-TR" sz="2000" smtClean="0"/>
           </a:p>
           <a:p>
-            <a:pPr eaLnBrk="1" hangingPunct="1">
+            <a:pPr>
               <a:lnSpc>
                 <a:spcPct val="80000"/>
               </a:lnSpc>
@@ -4762,7 +5669,7 @@
             </a:r>
           </a:p>
           <a:p>
-            <a:pPr lvl="1" eaLnBrk="1" hangingPunct="1">
+            <a:pPr lvl="1">
               <a:lnSpc>
                 <a:spcPct val="80000"/>
               </a:lnSpc>
@@ -4773,7 +5680,7 @@
             </a:r>
           </a:p>
           <a:p>
-            <a:pPr eaLnBrk="1" hangingPunct="1">
+            <a:pPr>
               <a:lnSpc>
                 <a:spcPct val="80000"/>
               </a:lnSpc>
@@ -4784,7 +5691,7 @@
             </a:r>
           </a:p>
           <a:p>
-            <a:pPr lvl="1" eaLnBrk="1" hangingPunct="1">
+            <a:pPr lvl="1">
               <a:lnSpc>
                 <a:spcPct val="80000"/>
               </a:lnSpc>
@@ -4795,7 +5702,7 @@
             </a:r>
           </a:p>
           <a:p>
-            <a:pPr eaLnBrk="1" hangingPunct="1">
+            <a:pPr>
               <a:lnSpc>
                 <a:spcPct val="80000"/>
               </a:lnSpc>
@@ -4806,7 +5713,7 @@
             </a:r>
           </a:p>
           <a:p>
-            <a:pPr lvl="1" eaLnBrk="1" hangingPunct="1">
+            <a:pPr lvl="1">
               <a:lnSpc>
                 <a:spcPct val="80000"/>
               </a:lnSpc>
@@ -4817,7 +5724,7 @@
             </a:r>
           </a:p>
           <a:p>
-            <a:pPr lvl="2" eaLnBrk="1" hangingPunct="1">
+            <a:pPr lvl="2">
               <a:lnSpc>
                 <a:spcPct val="80000"/>
               </a:lnSpc>
@@ -4828,7 +5735,7 @@
             </a:r>
           </a:p>
           <a:p>
-            <a:pPr eaLnBrk="1" hangingPunct="1">
+            <a:pPr>
               <a:lnSpc>
                 <a:spcPct val="80000"/>
               </a:lnSpc>
@@ -4839,7 +5746,7 @@
       </p:sp>
       <p:sp>
         <p:nvSpPr>
-          <p:cNvPr id="92164" name="Rectangle 6"/>
+          <p:cNvPr id="17411" name="Rectangle 6"/>
           <p:cNvSpPr>
             <a:spLocks noChangeArrowheads="1"/>
           </p:cNvSpPr>
@@ -4869,13 +5776,15 @@
           <a:bodyPr wrap="none" anchor="ctr"/>
           <a:lstStyle/>
           <a:p>
-            <a:endParaRPr lang="tr-TR"/>
-          </a:p>
-        </p:txBody>
-      </p:sp>
-      <p:sp>
-        <p:nvSpPr>
-          <p:cNvPr id="92165" name="Rectangle 7"/>
+            <a:endParaRPr lang="tr-TR">
+              <a:latin typeface="Calibri"/>
+            </a:endParaRPr>
+          </a:p>
+        </p:txBody>
+      </p:sp>
+      <p:sp>
+        <p:nvSpPr>
+          <p:cNvPr id="17412" name="Rectangle 7"/>
           <p:cNvSpPr>
             <a:spLocks noChangeArrowheads="1"/>
           </p:cNvSpPr>
@@ -4904,11 +5813,15 @@
           <a:lstStyle/>
           <a:p>
             <a:r>
-              <a:rPr lang="de-DE" b="0" i="1"/>
+              <a:rPr lang="de-DE" i="1">
+                <a:latin typeface="Calibri"/>
+              </a:rPr>
               <a:t>A is an instance of B</a:t>
             </a:r>
             <a:r>
-              <a:rPr lang="de-DE" b="0"/>
+              <a:rPr lang="de-DE">
+                <a:latin typeface="Calibri"/>
+              </a:rPr>
               <a:t> </a:t>
             </a:r>
           </a:p>
@@ -4916,7 +5829,7 @@
       </p:sp>
       <p:sp>
         <p:nvSpPr>
-          <p:cNvPr id="92166" name="Rectangle 8"/>
+          <p:cNvPr id="17413" name="Rectangle 8"/>
           <p:cNvSpPr>
             <a:spLocks noChangeArrowheads="1"/>
           </p:cNvSpPr>
@@ -4945,11 +5858,15 @@
           <a:lstStyle/>
           <a:p>
             <a:r>
-              <a:rPr lang="de-DE" b="0" i="1"/>
+              <a:rPr lang="de-DE" i="1">
+                <a:latin typeface="Calibri"/>
+              </a:rPr>
               <a:t>John is a Person</a:t>
             </a:r>
             <a:r>
-              <a:rPr lang="de-DE" b="0"/>
+              <a:rPr lang="de-DE">
+                <a:latin typeface="Calibri"/>
+              </a:rPr>
               <a:t> </a:t>
             </a:r>
           </a:p>
@@ -4957,7 +5874,7 @@
       </p:sp>
       <p:sp>
         <p:nvSpPr>
-          <p:cNvPr id="92167" name="Rectangle 9"/>
+          <p:cNvPr id="17414" name="Rectangle 9"/>
           <p:cNvSpPr>
             <a:spLocks noChangeArrowheads="1"/>
           </p:cNvSpPr>
@@ -4986,11 +5903,15 @@
           <a:lstStyle/>
           <a:p>
             <a:r>
-              <a:rPr lang="de-DE" b="0" i="1"/>
+              <a:rPr lang="de-DE" i="1">
+                <a:latin typeface="Calibri"/>
+              </a:rPr>
               <a:t>All Students are Persons</a:t>
             </a:r>
             <a:r>
-              <a:rPr lang="de-DE" b="0"/>
+              <a:rPr lang="de-DE">
+                <a:latin typeface="Calibri"/>
+              </a:rPr>
               <a:t> </a:t>
             </a:r>
           </a:p>
@@ -4998,7 +5919,7 @@
       </p:sp>
       <p:sp>
         <p:nvSpPr>
-          <p:cNvPr id="92168" name="Rectangle 10"/>
+          <p:cNvPr id="17415" name="Rectangle 10"/>
           <p:cNvSpPr>
             <a:spLocks noChangeArrowheads="1"/>
           </p:cNvSpPr>
@@ -5027,11 +5948,15 @@
           <a:lstStyle/>
           <a:p>
             <a:r>
-              <a:rPr lang="de-DE" b="0" i="1"/>
+              <a:rPr lang="de-DE" i="1">
+                <a:latin typeface="Calibri"/>
+              </a:rPr>
               <a:t>There are two types of Persons: Students and Teachers</a:t>
             </a:r>
             <a:r>
-              <a:rPr lang="de-DE" b="0"/>
+              <a:rPr lang="de-DE">
+                <a:latin typeface="Calibri"/>
+              </a:rPr>
               <a:t> </a:t>
             </a:r>
           </a:p>
@@ -5039,7 +5964,7 @@
       </p:sp>
       <p:sp>
         <p:nvSpPr>
-          <p:cNvPr id="92169" name="AutoShape 11"/>
+          <p:cNvPr id="17416" name="AutoShape 11"/>
           <p:cNvSpPr>
             <a:spLocks/>
           </p:cNvSpPr>
@@ -5070,13 +5995,15 @@
           <a:bodyPr wrap="none" anchor="ctr"/>
           <a:lstStyle/>
           <a:p>
-            <a:endParaRPr lang="tr-TR"/>
-          </a:p>
-        </p:txBody>
-      </p:sp>
-      <p:sp>
-        <p:nvSpPr>
-          <p:cNvPr id="92170" name="Rectangle 12"/>
+            <a:endParaRPr lang="tr-TR">
+              <a:latin typeface="Calibri"/>
+            </a:endParaRPr>
+          </a:p>
+        </p:txBody>
+      </p:sp>
+      <p:sp>
+        <p:nvSpPr>
+          <p:cNvPr id="17417" name="Rectangle 12"/>
           <p:cNvSpPr>
             <a:spLocks noChangeArrowheads="1"/>
           </p:cNvSpPr>
@@ -5105,16 +6032,20 @@
           <a:lstStyle/>
           <a:p>
             <a:r>
-              <a:rPr lang="de-DE" b="0"/>
+              <a:rPr lang="de-DE">
+                <a:latin typeface="Calibri"/>
+              </a:rPr>
               <a:t>A-Boxes</a:t>
             </a:r>
-            <a:endParaRPr lang="en-US" b="0"/>
-          </a:p>
-        </p:txBody>
-      </p:sp>
-      <p:sp>
-        <p:nvSpPr>
-          <p:cNvPr id="92171" name="Rectangle 13"/>
+            <a:endParaRPr lang="en-US">
+              <a:latin typeface="Calibri"/>
+            </a:endParaRPr>
+          </a:p>
+        </p:txBody>
+      </p:sp>
+      <p:sp>
+        <p:nvSpPr>
+          <p:cNvPr id="17418" name="Rectangle 13"/>
           <p:cNvSpPr>
             <a:spLocks noChangeArrowheads="1"/>
           </p:cNvSpPr>
@@ -5143,16 +6074,20 @@
           <a:lstStyle/>
           <a:p>
             <a:r>
-              <a:rPr lang="de-DE" b="0"/>
+              <a:rPr lang="de-DE">
+                <a:latin typeface="Calibri"/>
+              </a:rPr>
               <a:t>T-Boxes</a:t>
             </a:r>
-            <a:endParaRPr lang="en-US" b="0"/>
-          </a:p>
-        </p:txBody>
-      </p:sp>
-      <p:sp>
-        <p:nvSpPr>
-          <p:cNvPr id="92172" name="AutoShape 14"/>
+            <a:endParaRPr lang="en-US">
+              <a:latin typeface="Calibri"/>
+            </a:endParaRPr>
+          </a:p>
+        </p:txBody>
+      </p:sp>
+      <p:sp>
+        <p:nvSpPr>
+          <p:cNvPr id="17419" name="AutoShape 14"/>
           <p:cNvSpPr>
             <a:spLocks/>
           </p:cNvSpPr>
@@ -5183,7 +6118,9 @@
           <a:bodyPr wrap="none" anchor="ctr"/>
           <a:lstStyle/>
           <a:p>
-            <a:endParaRPr lang="tr-TR"/>
+            <a:endParaRPr lang="tr-TR">
+              <a:latin typeface="Calibri"/>
+            </a:endParaRPr>
           </a:p>
         </p:txBody>
       </p:sp>
@@ -5214,7 +6151,7 @@
       </p:grpSpPr>
       <p:sp>
         <p:nvSpPr>
-          <p:cNvPr id="93186" name="Rectangle 2"/>
+          <p:cNvPr id="19457" name="Rectangle 2"/>
           <p:cNvSpPr>
             <a:spLocks noChangeArrowheads="1"/>
           </p:cNvSpPr>
@@ -5244,13 +6181,15 @@
           <a:bodyPr wrap="none" anchor="ctr"/>
           <a:lstStyle/>
           <a:p>
-            <a:endParaRPr lang="tr-TR"/>
-          </a:p>
-        </p:txBody>
-      </p:sp>
-      <p:sp>
-        <p:nvSpPr>
-          <p:cNvPr id="93187" name="Rectangle 3"/>
+            <a:endParaRPr lang="tr-TR">
+              <a:latin typeface="Calibri"/>
+            </a:endParaRPr>
+          </a:p>
+        </p:txBody>
+      </p:sp>
+      <p:sp>
+        <p:nvSpPr>
+          <p:cNvPr id="19458" name="Rectangle 3"/>
           <p:cNvSpPr>
             <a:spLocks noChangeArrowheads="1"/>
           </p:cNvSpPr>
@@ -5280,13 +6219,15 @@
           <a:bodyPr wrap="none" anchor="ctr"/>
           <a:lstStyle/>
           <a:p>
-            <a:endParaRPr lang="tr-TR"/>
-          </a:p>
-        </p:txBody>
-      </p:sp>
-      <p:sp>
-        <p:nvSpPr>
-          <p:cNvPr id="93188" name="Rectangle 4"/>
+            <a:endParaRPr lang="tr-TR">
+              <a:latin typeface="Calibri"/>
+            </a:endParaRPr>
+          </a:p>
+        </p:txBody>
+      </p:sp>
+      <p:sp>
+        <p:nvSpPr>
+          <p:cNvPr id="19459" name="Rectangle 4"/>
           <p:cNvSpPr>
             <a:spLocks noGrp="1" noChangeArrowheads="1"/>
           </p:cNvSpPr>
@@ -5299,7 +6240,6 @@
           <a:bodyPr/>
           <a:lstStyle/>
           <a:p>
-            <a:pPr eaLnBrk="1" hangingPunct="1"/>
             <a:r>
               <a:rPr lang="en-GB" smtClean="0"/>
               <a:t>DL Architecture</a:t>
@@ -5310,7 +6250,7 @@
       </p:sp>
       <p:sp>
         <p:nvSpPr>
-          <p:cNvPr id="93189" name="Rectangle 5"/>
+          <p:cNvPr id="19460" name="Rectangle 5"/>
           <p:cNvSpPr>
             <a:spLocks noChangeArrowheads="1"/>
           </p:cNvSpPr>
@@ -5340,13 +6280,15 @@
           <a:bodyPr wrap="none" anchor="ctr"/>
           <a:lstStyle/>
           <a:p>
-            <a:endParaRPr lang="tr-TR"/>
-          </a:p>
-        </p:txBody>
-      </p:sp>
-      <p:sp>
-        <p:nvSpPr>
-          <p:cNvPr id="93190" name="Text Box 6"/>
+            <a:endParaRPr lang="tr-TR">
+              <a:latin typeface="Calibri"/>
+            </a:endParaRPr>
+          </a:p>
+        </p:txBody>
+      </p:sp>
+      <p:sp>
+        <p:nvSpPr>
+          <p:cNvPr id="19461" name="Text Box 6"/>
           <p:cNvSpPr txBox="1">
             <a:spLocks noChangeArrowheads="1"/>
           </p:cNvSpPr>
@@ -5383,7 +6325,7 @@
               </a:buClr>
             </a:pPr>
             <a:r>
-              <a:rPr lang="en-GB" sz="2400" b="0">
+              <a:rPr lang="en-GB" sz="2400">
                 <a:solidFill>
                   <a:srgbClr val="CC9900"/>
                 </a:solidFill>
@@ -5391,7 +6333,7 @@
               </a:rPr>
               <a:t>Knowledge Base</a:t>
             </a:r>
-            <a:endParaRPr lang="en-US" sz="2400" b="0">
+            <a:endParaRPr lang="en-US" sz="2400">
               <a:solidFill>
                 <a:srgbClr val="CC9900"/>
               </a:solidFill>
@@ -5402,7 +6344,7 @@
       </p:sp>
       <p:sp>
         <p:nvSpPr>
-          <p:cNvPr id="93191" name="Rectangle 7"/>
+          <p:cNvPr id="19462" name="Rectangle 7"/>
           <p:cNvSpPr>
             <a:spLocks noChangeArrowheads="1"/>
           </p:cNvSpPr>
@@ -5430,13 +6372,15 @@
           <a:bodyPr wrap="none" anchor="ctr"/>
           <a:lstStyle/>
           <a:p>
-            <a:endParaRPr lang="tr-TR"/>
-          </a:p>
-        </p:txBody>
-      </p:sp>
-      <p:sp>
-        <p:nvSpPr>
-          <p:cNvPr id="93192" name="Rectangle 8"/>
+            <a:endParaRPr lang="tr-TR">
+              <a:latin typeface="Calibri"/>
+            </a:endParaRPr>
+          </a:p>
+        </p:txBody>
+      </p:sp>
+      <p:sp>
+        <p:nvSpPr>
+          <p:cNvPr id="19463" name="Rectangle 8"/>
           <p:cNvSpPr>
             <a:spLocks noChangeArrowheads="1"/>
           </p:cNvSpPr>
@@ -5464,13 +6408,15 @@
           <a:bodyPr wrap="none" anchor="ctr"/>
           <a:lstStyle/>
           <a:p>
-            <a:endParaRPr lang="tr-TR"/>
-          </a:p>
-        </p:txBody>
-      </p:sp>
-      <p:sp>
-        <p:nvSpPr>
-          <p:cNvPr id="93193" name="Text Box 9"/>
+            <a:endParaRPr lang="tr-TR">
+              <a:latin typeface="Calibri"/>
+            </a:endParaRPr>
+          </a:p>
+        </p:txBody>
+      </p:sp>
+      <p:sp>
+        <p:nvSpPr>
+          <p:cNvPr id="19464" name="Text Box 9"/>
           <p:cNvSpPr txBox="1">
             <a:spLocks noChangeArrowheads="1"/>
           </p:cNvSpPr>
@@ -5507,7 +6453,7 @@
               </a:buClr>
             </a:pPr>
             <a:r>
-              <a:rPr lang="en-GB" sz="2000" b="0">
+              <a:rPr lang="en-GB" sz="2000">
                 <a:solidFill>
                   <a:srgbClr val="CC9900"/>
                 </a:solidFill>
@@ -5515,7 +6461,7 @@
               </a:rPr>
               <a:t>Tbox (schema)</a:t>
             </a:r>
-            <a:endParaRPr lang="en-US" sz="2000" b="0">
+            <a:endParaRPr lang="en-US" sz="2000">
               <a:solidFill>
                 <a:srgbClr val="CC9900"/>
               </a:solidFill>
@@ -5526,7 +6472,7 @@
       </p:sp>
       <p:sp>
         <p:nvSpPr>
-          <p:cNvPr id="93194" name="Text Box 10"/>
+          <p:cNvPr id="19465" name="Text Box 10"/>
           <p:cNvSpPr txBox="1">
             <a:spLocks noChangeArrowheads="1"/>
           </p:cNvSpPr>
@@ -5563,7 +6509,7 @@
               </a:buClr>
             </a:pPr>
             <a:r>
-              <a:rPr lang="en-GB" sz="2000" b="0">
+              <a:rPr lang="en-GB" sz="2000">
                 <a:solidFill>
                   <a:srgbClr val="CC9900"/>
                 </a:solidFill>
@@ -5571,7 +6517,7 @@
               </a:rPr>
               <a:t>Abox (data)</a:t>
             </a:r>
-            <a:endParaRPr lang="en-US" sz="2000" b="0">
+            <a:endParaRPr lang="en-US" sz="2000">
               <a:solidFill>
                 <a:srgbClr val="CC9900"/>
               </a:solidFill>
@@ -5582,7 +6528,7 @@
       </p:sp>
       <p:sp>
         <p:nvSpPr>
-          <p:cNvPr id="93195" name="Text Box 11"/>
+          <p:cNvPr id="19466" name="Text Box 11"/>
           <p:cNvSpPr txBox="1">
             <a:spLocks noChangeArrowheads="1"/>
           </p:cNvSpPr>
@@ -5632,7 +6578,7 @@
                 <a:solidFill>
                   <a:schemeClr val="bg1"/>
                 </a:solidFill>
-                <a:latin typeface="cmsy10" pitchFamily="1" charset="0"/>
+                <a:latin typeface="cmsy10" pitchFamily="16" charset="0"/>
               </a:rPr>
               <a:t>´</a:t>
             </a:r>
@@ -5650,7 +6596,7 @@
                 <a:solidFill>
                   <a:schemeClr val="bg1"/>
                 </a:solidFill>
-                <a:latin typeface="cmsy10" pitchFamily="1" charset="0"/>
+                <a:latin typeface="cmsy10" pitchFamily="16" charset="0"/>
               </a:rPr>
               <a:t>u</a:t>
             </a:r>
@@ -5687,7 +6633,7 @@
                 <a:solidFill>
                   <a:schemeClr val="bg1"/>
                 </a:solidFill>
-                <a:latin typeface="cmsy10" pitchFamily="1" charset="0"/>
+                <a:latin typeface="cmsy10" pitchFamily="16" charset="0"/>
               </a:rPr>
               <a:t>´</a:t>
             </a:r>
@@ -5705,7 +6651,7 @@
                 <a:solidFill>
                   <a:schemeClr val="bg1"/>
                 </a:solidFill>
-                <a:latin typeface="cmsy10" pitchFamily="1" charset="0"/>
+                <a:latin typeface="cmsy10" pitchFamily="16" charset="0"/>
               </a:rPr>
               <a:t>u</a:t>
             </a:r>
@@ -5723,7 +6669,7 @@
                 <a:solidFill>
                   <a:schemeClr val="bg1"/>
                 </a:solidFill>
-                <a:latin typeface="cmsy10" pitchFamily="1" charset="0"/>
+                <a:latin typeface="cmsy10" pitchFamily="16" charset="0"/>
               </a:rPr>
               <a:t>9</a:t>
             </a:r>
@@ -5741,7 +6687,7 @@
                 <a:solidFill>
                   <a:schemeClr val="bg1"/>
                 </a:solidFill>
-                <a:latin typeface="cmsy10" pitchFamily="1" charset="0"/>
+                <a:latin typeface="cmsy10" pitchFamily="16" charset="0"/>
               </a:rPr>
               <a:t>u</a:t>
             </a:r>
@@ -5759,7 +6705,7 @@
       </p:sp>
       <p:sp>
         <p:nvSpPr>
-          <p:cNvPr id="93196" name="Text Box 12"/>
+          <p:cNvPr id="19467" name="Text Box 12"/>
           <p:cNvSpPr txBox="1">
             <a:spLocks noChangeArrowheads="1"/>
           </p:cNvSpPr>
@@ -5819,7 +6765,7 @@
                 <a:solidFill>
                   <a:schemeClr val="bg1"/>
                 </a:solidFill>
-                <a:latin typeface="cmsy10" pitchFamily="1" charset="0"/>
+                <a:latin typeface="cmsy10" pitchFamily="16" charset="0"/>
               </a:rPr>
               <a:t>h</a:t>
             </a:r>
@@ -5837,7 +6783,7 @@
                 <a:solidFill>
                   <a:schemeClr val="bg1"/>
                 </a:solidFill>
-                <a:latin typeface="cmsy10" pitchFamily="1" charset="0"/>
+                <a:latin typeface="cmsy10" pitchFamily="16" charset="0"/>
               </a:rPr>
               <a:t>i</a:t>
             </a:r>
@@ -5861,7 +6807,7 @@
       </p:sp>
       <p:sp>
         <p:nvSpPr>
-          <p:cNvPr id="93197" name="Text Box 13"/>
+          <p:cNvPr id="19468" name="Text Box 13"/>
           <p:cNvSpPr txBox="1">
             <a:spLocks noChangeArrowheads="1"/>
           </p:cNvSpPr>
@@ -5917,7 +6863,7 @@
       </p:sp>
       <p:sp>
         <p:nvSpPr>
-          <p:cNvPr id="93198" name="Text Box 14"/>
+          <p:cNvPr id="19469" name="Text Box 14"/>
           <p:cNvSpPr txBox="1">
             <a:spLocks noChangeArrowheads="1"/>
           </p:cNvSpPr>
@@ -5973,7 +6919,7 @@
       </p:sp>
       <p:sp>
         <p:nvSpPr>
-          <p:cNvPr id="93199" name="Line 15"/>
+          <p:cNvPr id="19470" name="Line 15"/>
           <p:cNvSpPr>
             <a:spLocks noChangeShapeType="1"/>
           </p:cNvSpPr>
@@ -6001,13 +6947,13 @@
           <a:bodyPr/>
           <a:lstStyle/>
           <a:p>
-            <a:endParaRPr lang="tr-TR"/>
-          </a:p>
-        </p:txBody>
-      </p:sp>
-      <p:sp>
-        <p:nvSpPr>
-          <p:cNvPr id="93200" name="Line 16"/>
+            <a:endParaRPr lang="en-US"/>
+          </a:p>
+        </p:txBody>
+      </p:sp>
+      <p:sp>
+        <p:nvSpPr>
+          <p:cNvPr id="19471" name="Line 16"/>
           <p:cNvSpPr>
             <a:spLocks noChangeShapeType="1"/>
           </p:cNvSpPr>
@@ -6035,13 +6981,13 @@
           <a:bodyPr/>
           <a:lstStyle/>
           <a:p>
-            <a:endParaRPr lang="tr-TR"/>
-          </a:p>
-        </p:txBody>
-      </p:sp>
-      <p:sp>
-        <p:nvSpPr>
-          <p:cNvPr id="93201" name="Line 17"/>
+            <a:endParaRPr lang="en-US"/>
+          </a:p>
+        </p:txBody>
+      </p:sp>
+      <p:sp>
+        <p:nvSpPr>
+          <p:cNvPr id="19472" name="Line 17"/>
           <p:cNvSpPr>
             <a:spLocks noChangeShapeType="1"/>
           </p:cNvSpPr>
@@ -6069,7 +7015,7 @@
           <a:bodyPr/>
           <a:lstStyle/>
           <a:p>
-            <a:endParaRPr lang="tr-TR"/>
+            <a:endParaRPr lang="en-US"/>
           </a:p>
         </p:txBody>
       </p:sp>
@@ -6108,7 +7054,7 @@
       </p:grpSpPr>
       <p:sp>
         <p:nvSpPr>
-          <p:cNvPr id="94210" name="Rectangle 2"/>
+          <p:cNvPr id="21505" name="Rectangle 2"/>
           <p:cNvSpPr>
             <a:spLocks noChangeArrowheads="1"/>
           </p:cNvSpPr>
@@ -6136,18 +7082,20 @@
           <a:p>
             <a:pPr algn="ctr"/>
             <a:r>
-              <a:rPr lang="en-US" sz="3600" b="0" i="1">
+              <a:rPr lang="en-US" sz="3600" i="1">
                 <a:solidFill>
                   <a:schemeClr val="tx2"/>
                 </a:solidFill>
+                <a:latin typeface="Calibri"/>
               </a:rPr>
               <a:t>Where to find out more:</a:t>
             </a:r>
             <a:r>
-              <a:rPr lang="en-US" sz="4400" b="0">
+              <a:rPr lang="en-US" sz="4400">
                 <a:solidFill>
                   <a:schemeClr val="tx2"/>
                 </a:solidFill>
+                <a:latin typeface="Calibri"/>
               </a:rPr>
               <a:t> Web-Sites</a:t>
             </a:r>
@@ -6156,7 +7104,7 @@
       </p:sp>
       <p:sp>
         <p:nvSpPr>
-          <p:cNvPr id="94211" name="Rectangle 3"/>
+          <p:cNvPr id="21506" name="Rectangle 3"/>
           <p:cNvSpPr>
             <a:spLocks noChangeArrowheads="1"/>
           </p:cNvSpPr>
@@ -6190,7 +7138,9 @@
               <a:buChar char="•"/>
             </a:pPr>
             <a:r>
-              <a:rPr lang="en-US" sz="3200" b="0"/>
+              <a:rPr lang="en-US" sz="3200">
+                <a:latin typeface="Calibri"/>
+              </a:rPr>
               <a:t>OWL, OWL-S</a:t>
             </a:r>
           </a:p>
@@ -6203,12 +7153,15 @@
               <a:buChar char="–"/>
             </a:pPr>
             <a:r>
-              <a:rPr lang="en-US" sz="2400" b="0">
+              <a:rPr lang="en-US" sz="2400">
+                <a:latin typeface="Calibri"/>
                 <a:hlinkClick r:id="rId3"/>
               </a:rPr>
               <a:t>http://www.w3.org/2004/01/sws-pressrelease</a:t>
             </a:r>
-            <a:endParaRPr lang="en-US" sz="2400" b="0"/>
+            <a:endParaRPr lang="en-US" sz="2400">
+              <a:latin typeface="Calibri"/>
+            </a:endParaRPr>
           </a:p>
           <a:p>
             <a:pPr marL="742950" lvl="1" indent="-285750">
@@ -6219,12 +7172,15 @@
               <a:buChar char="–"/>
             </a:pPr>
             <a:r>
-              <a:rPr lang="en-US" sz="2400" b="0">
+              <a:rPr lang="en-US" sz="2400">
+                <a:latin typeface="Calibri"/>
                 <a:hlinkClick r:id="rId4"/>
               </a:rPr>
               <a:t>http://www.w3.org/2004/01/sws-testimonial</a:t>
             </a:r>
-            <a:endParaRPr lang="en-US" sz="2400" b="0"/>
+            <a:endParaRPr lang="en-US" sz="2400">
+              <a:latin typeface="Calibri"/>
+            </a:endParaRPr>
           </a:p>
           <a:p>
             <a:pPr marL="342900" indent="-342900">
@@ -6235,7 +7191,9 @@
               <a:buChar char="•"/>
             </a:pPr>
             <a:r>
-              <a:rPr lang="en-US" sz="3200" b="0"/>
+              <a:rPr lang="en-US" sz="3200">
+                <a:latin typeface="Calibri"/>
+              </a:rPr>
               <a:t>Semantic Web</a:t>
             </a:r>
           </a:p>
@@ -6248,12 +7206,15 @@
               <a:buChar char="–"/>
             </a:pPr>
             <a:r>
-              <a:rPr lang="en-US" sz="2400" b="0">
+              <a:rPr lang="en-US" sz="2400">
+                <a:latin typeface="Calibri"/>
                 <a:hlinkClick r:id="rId5"/>
               </a:rPr>
               <a:t>http://www.w3.org/2001/sw/</a:t>
             </a:r>
-            <a:endParaRPr lang="en-US" sz="2400" b="0"/>
+            <a:endParaRPr lang="en-US" sz="2400">
+              <a:latin typeface="Calibri"/>
+            </a:endParaRPr>
           </a:p>
           <a:p>
             <a:pPr marL="742950" lvl="1" indent="-285750">
@@ -6264,12 +7225,15 @@
               <a:buChar char="–"/>
             </a:pPr>
             <a:r>
-              <a:rPr lang="en-US" sz="2400" b="0">
+              <a:rPr lang="en-US" sz="2400">
+                <a:latin typeface="Calibri"/>
                 <a:hlinkClick r:id="rId6"/>
               </a:rPr>
               <a:t>http://www.semwebcentral.org/</a:t>
             </a:r>
-            <a:endParaRPr lang="en-US" sz="2400" b="0"/>
+            <a:endParaRPr lang="en-US" sz="2400">
+              <a:latin typeface="Calibri"/>
+            </a:endParaRPr>
           </a:p>
           <a:p>
             <a:pPr marL="342900" indent="-342900">
@@ -6280,7 +7244,9 @@
               <a:buChar char="•"/>
             </a:pPr>
             <a:r>
-              <a:rPr lang="en-US" sz="3200" b="0"/>
+              <a:rPr lang="en-US" sz="3200">
+                <a:latin typeface="Calibri"/>
+              </a:rPr>
               <a:t>Semantic Web Services</a:t>
             </a:r>
           </a:p>
@@ -6293,12 +7259,15 @@
               <a:buChar char="–"/>
             </a:pPr>
             <a:r>
-              <a:rPr lang="en-US" sz="2400" b="0">
+              <a:rPr lang="en-US" sz="2400">
+                <a:latin typeface="Calibri"/>
                 <a:hlinkClick r:id="rId7"/>
               </a:rPr>
               <a:t>http://www.daml.org/services/</a:t>
             </a:r>
-            <a:endParaRPr lang="en-US" sz="2400" b="0"/>
+            <a:endParaRPr lang="en-US" sz="2400">
+              <a:latin typeface="Calibri"/>
+            </a:endParaRPr>
           </a:p>
           <a:p>
             <a:pPr marL="742950" lvl="1" indent="-285750">
@@ -6309,12 +7278,15 @@
               <a:buChar char="–"/>
             </a:pPr>
             <a:r>
-              <a:rPr lang="en-US" sz="2400" b="0">
+              <a:rPr lang="en-US" sz="2400">
+                <a:latin typeface="Calibri"/>
                 <a:hlinkClick r:id="rId8"/>
               </a:rPr>
               <a:t>http://www.swsi.org/</a:t>
             </a:r>
-            <a:endParaRPr lang="en-US" sz="2400" b="0"/>
+            <a:endParaRPr lang="en-US" sz="2400">
+              <a:latin typeface="Calibri"/>
+            </a:endParaRPr>
           </a:p>
           <a:p>
             <a:pPr marL="742950" lvl="1" indent="-285750">
@@ -6325,13 +7297,16 @@
               <a:buChar char="–"/>
             </a:pPr>
             <a:r>
-              <a:rPr lang="en-US" sz="2400" b="0">
+              <a:rPr lang="en-US" sz="2400">
+                <a:latin typeface="Calibri"/>
                 <a:hlinkClick r:id="rId9"/>
               </a:rPr>
               <a:t>http://www.wsmo.org</a:t>
             </a:r>
             <a:r>
-              <a:rPr lang="en-US" sz="2400" b="0"/>
+              <a:rPr lang="en-US" sz="2400">
+                <a:latin typeface="Calibri"/>
+              </a:rPr>
               <a:t> </a:t>
             </a:r>
           </a:p>
@@ -6372,7 +7347,7 @@
       </p:grpSpPr>
       <p:sp>
         <p:nvSpPr>
-          <p:cNvPr id="95234" name="Rectangle 2"/>
+          <p:cNvPr id="23553" name="Rectangle 2"/>
           <p:cNvSpPr>
             <a:spLocks noChangeArrowheads="1"/>
           </p:cNvSpPr>
@@ -6413,11 +7388,14 @@
                 <a:solidFill>
                   <a:srgbClr val="0033CC"/>
                 </a:solidFill>
+                <a:latin typeface="Calibri"/>
               </a:rPr>
               <a:t>Developing ontology languages, ontologies, annotation support tools</a:t>
             </a:r>
             <a:r>
-              <a:rPr lang="en-GB" sz="2400" b="0"/>
+              <a:rPr lang="en-GB" sz="2400">
+                <a:latin typeface="Calibri"/>
+              </a:rPr>
               <a:t>  will give you an advance of several years before others can develop the same. Important is that the standards and the applications will depend on you. </a:t>
             </a:r>
           </a:p>
@@ -6430,7 +7408,9 @@
                 <a:spcPct val="20000"/>
               </a:spcBef>
             </a:pPr>
-            <a:endParaRPr lang="en-GB" sz="2400" b="0"/>
+            <a:endParaRPr lang="en-GB" sz="2400">
+              <a:latin typeface="Calibri"/>
+            </a:endParaRPr>
           </a:p>
           <a:p>
             <a:pPr marL="342900" indent="-342900">
@@ -6448,11 +7428,14 @@
                 <a:solidFill>
                   <a:srgbClr val="0033CC"/>
                 </a:solidFill>
+                <a:latin typeface="Calibri"/>
               </a:rPr>
               <a:t>Developing Semantic Web service platforms, agents, applications,</a:t>
             </a:r>
             <a:r>
-              <a:rPr lang="en-GB" sz="2400" b="0"/>
+              <a:rPr lang="en-GB" sz="2400">
+                <a:latin typeface="Calibri"/>
+              </a:rPr>
               <a:t>  based on widespread standards allows to automatically explore rich Web content providing services for millions of customers.</a:t>
             </a:r>
           </a:p>
@@ -6465,7 +7448,9 @@
                 <a:spcPct val="20000"/>
               </a:spcBef>
             </a:pPr>
-            <a:endParaRPr lang="en-GB" sz="2400" b="0"/>
+            <a:endParaRPr lang="en-GB" sz="2400">
+              <a:latin typeface="Calibri"/>
+            </a:endParaRPr>
           </a:p>
           <a:p>
             <a:pPr marL="342900" indent="-342900">
@@ -6483,15 +7468,20 @@
                 <a:solidFill>
                   <a:srgbClr val="0033CC"/>
                 </a:solidFill>
+                <a:latin typeface="Calibri"/>
               </a:rPr>
               <a:t>Annotate your own products and services</a:t>
             </a:r>
             <a:r>
-              <a:rPr lang="en-GB" sz="2400" b="0"/>
+              <a:rPr lang="en-GB" sz="2400">
+                <a:latin typeface="Calibri"/>
+              </a:rPr>
               <a:t>. This makes your products and services reachable by new generation of semantic search engines and automatically accessed by Web applications, agents and services.</a:t>
             </a:r>
             <a:r>
-              <a:rPr lang="en-GB" sz="3200" b="0"/>
+              <a:rPr lang="en-GB" sz="3200">
+                <a:latin typeface="Calibri"/>
+              </a:rPr>
               <a:t> </a:t>
             </a:r>
           </a:p>
@@ -6525,7 +7515,13 @@
           <a:bodyPr anchor="b"/>
           <a:lstStyle/>
           <a:p>
-            <a:pPr algn="r">
+            <a:pPr algn="r" fontAlgn="auto">
+              <a:spcBef>
+                <a:spcPts val="0"/>
+              </a:spcBef>
+              <a:spcAft>
+                <a:spcPts val="0"/>
+              </a:spcAft>
               <a:defRPr/>
             </a:pPr>
             <a:r>
@@ -6573,7 +7569,7 @@
       </p:grpSpPr>
       <p:sp>
         <p:nvSpPr>
-          <p:cNvPr id="96258" name="Rectangle 2"/>
+          <p:cNvPr id="25601" name="Rectangle 2"/>
           <p:cNvSpPr>
             <a:spLocks noGrp="1" noChangeArrowheads="1"/>
           </p:cNvSpPr>
@@ -6591,7 +7587,6 @@
           <a:bodyPr/>
           <a:lstStyle/>
           <a:p>
-            <a:pPr eaLnBrk="1" hangingPunct="1"/>
             <a:r>
               <a:rPr lang="en-GB" smtClean="0"/>
               <a:t>(In)famous “Layer Cake”</a:t>
@@ -6622,7 +7617,6 @@
             <a:off x="3362325" y="1600200"/>
             <a:ext cx="4903788" cy="3608388"/>
           </a:xfrm>
-          <a:noFill/>
         </p:spPr>
       </p:pic>
       <p:sp>
@@ -6665,16 +7659,19 @@
               </a:spcBef>
             </a:pPr>
             <a:r>
-              <a:rPr lang="de-DE" sz="1800" b="0">
+              <a:rPr lang="de-DE">
+                <a:latin typeface="Calibri"/>
                 <a:sym typeface="Symbol" pitchFamily="18" charset="2"/>
               </a:rPr>
               <a:t> </a:t>
             </a:r>
             <a:r>
-              <a:rPr lang="de-DE" sz="1800" b="0"/>
+              <a:rPr lang="de-DE">
+                <a:latin typeface="Calibri"/>
+              </a:rPr>
               <a:t>Data Exchange</a:t>
             </a:r>
-            <a:endParaRPr lang="de-DE" sz="2400" b="0">
+            <a:endParaRPr lang="de-DE" sz="2400">
               <a:latin typeface="Times New Roman" pitchFamily="18" charset="0"/>
             </a:endParaRPr>
           </a:p>
@@ -6720,13 +7717,16 @@
               </a:spcBef>
             </a:pPr>
             <a:r>
-              <a:rPr lang="de-DE" sz="1600" b="0">
+              <a:rPr lang="de-DE" sz="1600">
+                <a:latin typeface="Calibri"/>
                 <a:sym typeface="Symbol" pitchFamily="18" charset="2"/>
               </a:rPr>
               <a:t> </a:t>
             </a:r>
             <a:r>
-              <a:rPr lang="de-DE" sz="1600" b="0"/>
+              <a:rPr lang="de-DE" sz="1600">
+                <a:latin typeface="Calibri"/>
+              </a:rPr>
               <a:t>Semantics+reasoning</a:t>
             </a:r>
           </a:p>
@@ -6772,13 +7772,15 @@
               </a:spcBef>
             </a:pPr>
             <a:r>
-              <a:rPr lang="de-DE" sz="1800" b="0">
+              <a:rPr lang="de-DE">
+                <a:latin typeface="Calibri"/>
                 <a:sym typeface="Symbol" pitchFamily="18" charset="2"/>
               </a:rPr>
               <a:t> </a:t>
             </a:r>
             <a:r>
-              <a:rPr lang="de-DE" sz="1800" b="0">
+              <a:rPr lang="de-DE">
+                <a:latin typeface="Calibri"/>
                 <a:sym typeface="Wingdings" pitchFamily="2" charset="2"/>
               </a:rPr>
               <a:t>Relational Data</a:t>
@@ -6902,7 +7904,7 @@
         </p:grpSpPr>
         <p:sp>
           <p:nvSpPr>
-            <p:cNvPr id="96267" name="AutoShape 10"/>
+            <p:cNvPr id="25610" name="AutoShape 10"/>
             <p:cNvSpPr>
               <a:spLocks noChangeArrowheads="1"/>
             </p:cNvSpPr>
@@ -6940,12 +7942,14 @@
                 </a:spcBef>
               </a:pPr>
               <a:r>
-                <a:rPr lang="de-DE" sz="1800" b="0">
+                <a:rPr lang="de-DE">
+                  <a:latin typeface="Calibri"/>
                   <a:sym typeface="Symbol" pitchFamily="18" charset="2"/>
                 </a:rPr>
                 <a:t>???</a:t>
               </a:r>
-              <a:endParaRPr lang="de-DE" sz="1800" b="0">
+              <a:endParaRPr lang="de-DE">
+                <a:latin typeface="Calibri"/>
                 <a:sym typeface="Wingdings" pitchFamily="2" charset="2"/>
               </a:endParaRPr>
             </a:p>
@@ -6953,7 +7957,7 @@
         </p:sp>
         <p:sp>
           <p:nvSpPr>
-            <p:cNvPr id="96268" name="AutoShape 11"/>
+            <p:cNvPr id="25611" name="AutoShape 11"/>
             <p:cNvSpPr>
               <a:spLocks noChangeArrowheads="1"/>
             </p:cNvSpPr>
@@ -6991,12 +7995,14 @@
                 </a:spcBef>
               </a:pPr>
               <a:r>
-                <a:rPr lang="de-DE" sz="1800" b="0">
+                <a:rPr lang="de-DE">
+                  <a:latin typeface="Calibri"/>
                   <a:sym typeface="Symbol" pitchFamily="18" charset="2"/>
                 </a:rPr>
                 <a:t>???</a:t>
               </a:r>
-              <a:endParaRPr lang="de-DE" sz="1800" b="0">
+              <a:endParaRPr lang="de-DE">
+                <a:latin typeface="Calibri"/>
                 <a:sym typeface="Wingdings" pitchFamily="2" charset="2"/>
               </a:endParaRPr>
             </a:p>
@@ -7004,7 +8010,7 @@
         </p:sp>
         <p:sp>
           <p:nvSpPr>
-            <p:cNvPr id="96269" name="AutoShape 12"/>
+            <p:cNvPr id="25612" name="AutoShape 12"/>
             <p:cNvSpPr>
               <a:spLocks noChangeArrowheads="1"/>
             </p:cNvSpPr>
@@ -7042,12 +8048,14 @@
                 </a:spcBef>
               </a:pPr>
               <a:r>
-                <a:rPr lang="de-DE" sz="1800" b="0">
+                <a:rPr lang="de-DE">
+                  <a:latin typeface="Calibri"/>
                   <a:sym typeface="Symbol" pitchFamily="18" charset="2"/>
                 </a:rPr>
                 <a:t>???</a:t>
               </a:r>
-              <a:endParaRPr lang="de-DE" sz="1800" b="0">
+              <a:endParaRPr lang="de-DE">
+                <a:latin typeface="Calibri"/>
                 <a:sym typeface="Wingdings" pitchFamily="2" charset="2"/>
               </a:endParaRPr>
             </a:p>
@@ -7093,7 +8101,9 @@
               <a:buChar char="•"/>
             </a:pPr>
             <a:r>
-              <a:rPr lang="en-GB" sz="2000"/>
+              <a:rPr lang="en-GB" sz="2000">
+                <a:latin typeface="Calibri"/>
+              </a:rPr>
               <a:t>Relationship between layers is not clear</a:t>
             </a:r>
           </a:p>
@@ -7109,7 +8119,9 @@
               <a:buChar char="•"/>
             </a:pPr>
             <a:r>
-              <a:rPr lang="en-GB" sz="2000"/>
+              <a:rPr lang="en-GB" sz="2000">
+                <a:latin typeface="Calibri"/>
+              </a:rPr>
               <a:t>OWL DL extends “DL subset” of RDF</a:t>
             </a:r>
           </a:p>
@@ -7814,7 +8826,7 @@
       </p:grpSpPr>
       <p:sp>
         <p:nvSpPr>
-          <p:cNvPr id="97282" name="Rectangle 2"/>
+          <p:cNvPr id="27649" name="Rectangle 2"/>
           <p:cNvSpPr>
             <a:spLocks noGrp="1" noChangeArrowheads="1"/>
           </p:cNvSpPr>
@@ -7832,7 +8844,6 @@
           <a:bodyPr/>
           <a:lstStyle/>
           <a:p>
-            <a:pPr eaLnBrk="1" hangingPunct="1"/>
             <a:r>
               <a:rPr lang="en-GB" sz="4000" smtClean="0"/>
               <a:t>Semantic Web “Layered Cake” </a:t>
@@ -7847,7 +8858,7 @@
       </p:sp>
       <p:pic>
         <p:nvPicPr>
-          <p:cNvPr id="97283" name="Picture 3" descr="2006a"/>
+          <p:cNvPr id="27650" name="Picture 3" descr="2006a"/>
           <p:cNvPicPr>
             <a:picLocks noChangeAspect="1" noChangeArrowheads="1"/>
           </p:cNvPicPr>
@@ -7923,7 +8934,7 @@
       </p:grpSpPr>
       <p:sp>
         <p:nvSpPr>
-          <p:cNvPr id="98306" name="Rectangle 2"/>
+          <p:cNvPr id="29697" name="Rectangle 2"/>
           <p:cNvSpPr>
             <a:spLocks noGrp="1" noChangeArrowheads="1"/>
           </p:cNvSpPr>
@@ -7936,7 +8947,6 @@
           <a:bodyPr/>
           <a:lstStyle/>
           <a:p>
-            <a:pPr eaLnBrk="1" hangingPunct="1"/>
             <a:r>
               <a:rPr lang="tr-TR" smtClean="0"/>
               <a:t>EK Konular</a:t>
@@ -7946,7 +8956,7 @@
       </p:sp>
       <p:sp>
         <p:nvSpPr>
-          <p:cNvPr id="98307" name="Rectangle 3"/>
+          <p:cNvPr id="29698" name="Rectangle 3"/>
           <p:cNvSpPr>
             <a:spLocks noGrp="1" noChangeArrowheads="1"/>
           </p:cNvSpPr>
@@ -7959,7 +8969,7 @@
           <a:bodyPr/>
           <a:lstStyle/>
           <a:p>
-            <a:pPr eaLnBrk="1" hangingPunct="1">
+            <a:pPr>
               <a:lnSpc>
                 <a:spcPct val="90000"/>
               </a:lnSpc>
@@ -7970,7 +8980,7 @@
             </a:r>
           </a:p>
           <a:p>
-            <a:pPr lvl="1" eaLnBrk="1" hangingPunct="1">
+            <a:pPr lvl="1">
               <a:lnSpc>
                 <a:spcPct val="90000"/>
               </a:lnSpc>
@@ -7984,7 +8994,7 @@
             <a:endParaRPr lang="tr-TR" smtClean="0"/>
           </a:p>
           <a:p>
-            <a:pPr lvl="1" eaLnBrk="1" hangingPunct="1">
+            <a:pPr lvl="1">
               <a:lnSpc>
                 <a:spcPct val="90000"/>
               </a:lnSpc>
@@ -7992,7 +9002,7 @@
             <a:endParaRPr lang="tr-TR" smtClean="0"/>
           </a:p>
           <a:p>
-            <a:pPr eaLnBrk="1" hangingPunct="1">
+            <a:pPr>
               <a:lnSpc>
                 <a:spcPct val="90000"/>
               </a:lnSpc>
@@ -8004,7 +9014,7 @@
             <a:endParaRPr lang="tr-TR" sz="2800" smtClean="0"/>
           </a:p>
           <a:p>
-            <a:pPr lvl="1" eaLnBrk="1" hangingPunct="1">
+            <a:pPr lvl="1">
               <a:lnSpc>
                 <a:spcPct val="90000"/>
               </a:lnSpc>
@@ -8018,7 +9028,7 @@
             <a:endParaRPr lang="tr-TR" sz="2400" smtClean="0"/>
           </a:p>
           <a:p>
-            <a:pPr lvl="1" eaLnBrk="1" hangingPunct="1">
+            <a:pPr lvl="1">
               <a:lnSpc>
                 <a:spcPct val="90000"/>
               </a:lnSpc>
@@ -8032,7 +9042,7 @@
             <a:endParaRPr lang="tr-TR" sz="2400" smtClean="0"/>
           </a:p>
           <a:p>
-            <a:pPr eaLnBrk="1" hangingPunct="1">
+            <a:pPr>
               <a:lnSpc>
                 <a:spcPct val="90000"/>
               </a:lnSpc>
@@ -8043,7 +9053,7 @@
             </a:r>
           </a:p>
           <a:p>
-            <a:pPr lvl="1" eaLnBrk="1" hangingPunct="1">
+            <a:pPr lvl="1">
               <a:lnSpc>
                 <a:spcPct val="90000"/>
               </a:lnSpc>
